--- a/images/cover.pptx
+++ b/images/cover.pptx
@@ -10,6 +10,7 @@
     <p:sldId id="260" r:id="rId4"/>
     <p:sldId id="258" r:id="rId5"/>
     <p:sldId id="259" r:id="rId6"/>
+    <p:sldId id="261" r:id="rId7"/>
   </p:sldIdLst>
   <p:sldSz cx="12192000" cy="6858000"/>
   <p:notesSz cx="6858000" cy="9144000"/>
@@ -263,7 +264,7 @@
           <a:p>
             <a:fld id="{2554716E-0FEE-4BFF-BE31-BCD8BD1CEF72}" type="datetimeFigureOut">
               <a:rPr lang="es-ES" smtClean="0"/>
-              <a:t>14/02/2021</a:t>
+              <a:t>25/02/2021</a:t>
             </a:fld>
             <a:endParaRPr lang="es-ES"/>
           </a:p>
@@ -461,7 +462,7 @@
           <a:p>
             <a:fld id="{2554716E-0FEE-4BFF-BE31-BCD8BD1CEF72}" type="datetimeFigureOut">
               <a:rPr lang="es-ES" smtClean="0"/>
-              <a:t>14/02/2021</a:t>
+              <a:t>25/02/2021</a:t>
             </a:fld>
             <a:endParaRPr lang="es-ES"/>
           </a:p>
@@ -669,7 +670,7 @@
           <a:p>
             <a:fld id="{2554716E-0FEE-4BFF-BE31-BCD8BD1CEF72}" type="datetimeFigureOut">
               <a:rPr lang="es-ES" smtClean="0"/>
-              <a:t>14/02/2021</a:t>
+              <a:t>25/02/2021</a:t>
             </a:fld>
             <a:endParaRPr lang="es-ES"/>
           </a:p>
@@ -867,7 +868,7 @@
           <a:p>
             <a:fld id="{2554716E-0FEE-4BFF-BE31-BCD8BD1CEF72}" type="datetimeFigureOut">
               <a:rPr lang="es-ES" smtClean="0"/>
-              <a:t>14/02/2021</a:t>
+              <a:t>25/02/2021</a:t>
             </a:fld>
             <a:endParaRPr lang="es-ES"/>
           </a:p>
@@ -1142,7 +1143,7 @@
           <a:p>
             <a:fld id="{2554716E-0FEE-4BFF-BE31-BCD8BD1CEF72}" type="datetimeFigureOut">
               <a:rPr lang="es-ES" smtClean="0"/>
-              <a:t>14/02/2021</a:t>
+              <a:t>25/02/2021</a:t>
             </a:fld>
             <a:endParaRPr lang="es-ES"/>
           </a:p>
@@ -1407,7 +1408,7 @@
           <a:p>
             <a:fld id="{2554716E-0FEE-4BFF-BE31-BCD8BD1CEF72}" type="datetimeFigureOut">
               <a:rPr lang="es-ES" smtClean="0"/>
-              <a:t>14/02/2021</a:t>
+              <a:t>25/02/2021</a:t>
             </a:fld>
             <a:endParaRPr lang="es-ES"/>
           </a:p>
@@ -1819,7 +1820,7 @@
           <a:p>
             <a:fld id="{2554716E-0FEE-4BFF-BE31-BCD8BD1CEF72}" type="datetimeFigureOut">
               <a:rPr lang="es-ES" smtClean="0"/>
-              <a:t>14/02/2021</a:t>
+              <a:t>25/02/2021</a:t>
             </a:fld>
             <a:endParaRPr lang="es-ES"/>
           </a:p>
@@ -1960,7 +1961,7 @@
           <a:p>
             <a:fld id="{2554716E-0FEE-4BFF-BE31-BCD8BD1CEF72}" type="datetimeFigureOut">
               <a:rPr lang="es-ES" smtClean="0"/>
-              <a:t>14/02/2021</a:t>
+              <a:t>25/02/2021</a:t>
             </a:fld>
             <a:endParaRPr lang="es-ES"/>
           </a:p>
@@ -2073,7 +2074,7 @@
           <a:p>
             <a:fld id="{2554716E-0FEE-4BFF-BE31-BCD8BD1CEF72}" type="datetimeFigureOut">
               <a:rPr lang="es-ES" smtClean="0"/>
-              <a:t>14/02/2021</a:t>
+              <a:t>25/02/2021</a:t>
             </a:fld>
             <a:endParaRPr lang="es-ES"/>
           </a:p>
@@ -2384,7 +2385,7 @@
           <a:p>
             <a:fld id="{2554716E-0FEE-4BFF-BE31-BCD8BD1CEF72}" type="datetimeFigureOut">
               <a:rPr lang="es-ES" smtClean="0"/>
-              <a:t>14/02/2021</a:t>
+              <a:t>25/02/2021</a:t>
             </a:fld>
             <a:endParaRPr lang="es-ES"/>
           </a:p>
@@ -2672,7 +2673,7 @@
           <a:p>
             <a:fld id="{2554716E-0FEE-4BFF-BE31-BCD8BD1CEF72}" type="datetimeFigureOut">
               <a:rPr lang="es-ES" smtClean="0"/>
-              <a:t>14/02/2021</a:t>
+              <a:t>25/02/2021</a:t>
             </a:fld>
             <a:endParaRPr lang="es-ES"/>
           </a:p>
@@ -2913,7 +2914,7 @@
           <a:p>
             <a:fld id="{2554716E-0FEE-4BFF-BE31-BCD8BD1CEF72}" type="datetimeFigureOut">
               <a:rPr lang="es-ES" smtClean="0"/>
-              <a:t>14/02/2021</a:t>
+              <a:t>25/02/2021</a:t>
             </a:fld>
             <a:endParaRPr lang="es-ES"/>
           </a:p>
@@ -8408,6 +8409,1890 @@
 </p:sld>
 </file>
 
+<file path=ppt/slides/slide6.xml><?xml version="1.0" encoding="utf-8"?>
+<p:sld xmlns:a="http://schemas.openxmlformats.org/drawingml/2006/main" xmlns:r="http://schemas.openxmlformats.org/officeDocument/2006/relationships" xmlns:p="http://schemas.openxmlformats.org/presentationml/2006/main">
+  <p:cSld>
+    <p:spTree>
+      <p:nvGrpSpPr>
+        <p:cNvPr id="1" name=""/>
+        <p:cNvGrpSpPr/>
+        <p:nvPr/>
+      </p:nvGrpSpPr>
+      <p:grpSpPr>
+        <a:xfrm>
+          <a:off x="0" y="0"/>
+          <a:ext cx="0" cy="0"/>
+          <a:chOff x="0" y="0"/>
+          <a:chExt cx="0" cy="0"/>
+        </a:xfrm>
+      </p:grpSpPr>
+      <p:sp>
+        <p:nvSpPr>
+          <p:cNvPr id="24" name="Rectángulo 23">
+            <a:extLst>
+              <a:ext uri="{FF2B5EF4-FFF2-40B4-BE49-F238E27FC236}">
+                <a16:creationId xmlns:a16="http://schemas.microsoft.com/office/drawing/2014/main" id="{2C2482B2-A745-4229-B77D-3252C556C9F8}"/>
+              </a:ext>
+            </a:extLst>
+          </p:cNvPr>
+          <p:cNvSpPr/>
+          <p:nvPr/>
+        </p:nvSpPr>
+        <p:spPr>
+          <a:xfrm>
+            <a:off x="524655" y="179885"/>
+            <a:ext cx="11332564" cy="6408295"/>
+          </a:xfrm>
+          <a:prstGeom prst="rect">
+            <a:avLst/>
+          </a:prstGeom>
+        </p:spPr>
+        <p:style>
+          <a:lnRef idx="2">
+            <a:schemeClr val="accent1">
+              <a:shade val="50000"/>
+            </a:schemeClr>
+          </a:lnRef>
+          <a:fillRef idx="1">
+            <a:schemeClr val="accent1"/>
+          </a:fillRef>
+          <a:effectRef idx="0">
+            <a:schemeClr val="accent1"/>
+          </a:effectRef>
+          <a:fontRef idx="minor">
+            <a:schemeClr val="lt1"/>
+          </a:fontRef>
+        </p:style>
+        <p:txBody>
+          <a:bodyPr rtlCol="0" anchor="ctr"/>
+          <a:lstStyle/>
+          <a:p>
+            <a:pPr algn="ctr"/>
+            <a:endParaRPr lang="es-ES"/>
+          </a:p>
+        </p:txBody>
+      </p:sp>
+      <p:sp>
+        <p:nvSpPr>
+          <p:cNvPr id="26" name="Rectángulo 25">
+            <a:extLst>
+              <a:ext uri="{FF2B5EF4-FFF2-40B4-BE49-F238E27FC236}">
+                <a16:creationId xmlns:a16="http://schemas.microsoft.com/office/drawing/2014/main" id="{B2E14387-B6D7-4363-B7BC-922992D0B7F6}"/>
+              </a:ext>
+            </a:extLst>
+          </p:cNvPr>
+          <p:cNvSpPr/>
+          <p:nvPr/>
+        </p:nvSpPr>
+        <p:spPr>
+          <a:xfrm>
+            <a:off x="989350" y="543036"/>
+            <a:ext cx="10403174" cy="5681991"/>
+          </a:xfrm>
+          <a:prstGeom prst="rect">
+            <a:avLst/>
+          </a:prstGeom>
+          <a:solidFill>
+            <a:schemeClr val="bg1"/>
+          </a:solidFill>
+        </p:spPr>
+        <p:style>
+          <a:lnRef idx="2">
+            <a:schemeClr val="accent1">
+              <a:shade val="50000"/>
+            </a:schemeClr>
+          </a:lnRef>
+          <a:fillRef idx="1">
+            <a:schemeClr val="accent1"/>
+          </a:fillRef>
+          <a:effectRef idx="0">
+            <a:schemeClr val="accent1"/>
+          </a:effectRef>
+          <a:fontRef idx="minor">
+            <a:schemeClr val="lt1"/>
+          </a:fontRef>
+        </p:style>
+        <p:txBody>
+          <a:bodyPr rtlCol="0" anchor="ctr"/>
+          <a:lstStyle/>
+          <a:p>
+            <a:pPr algn="ctr"/>
+            <a:endParaRPr lang="es-ES"/>
+          </a:p>
+        </p:txBody>
+      </p:sp>
+      <p:grpSp>
+        <p:nvGrpSpPr>
+          <p:cNvPr id="3" name="Grupo 2">
+            <a:extLst>
+              <a:ext uri="{FF2B5EF4-FFF2-40B4-BE49-F238E27FC236}">
+                <a16:creationId xmlns:a16="http://schemas.microsoft.com/office/drawing/2014/main" id="{0C91FA86-4473-4CAA-9CA2-648B834912F4}"/>
+              </a:ext>
+            </a:extLst>
+          </p:cNvPr>
+          <p:cNvGrpSpPr/>
+          <p:nvPr/>
+        </p:nvGrpSpPr>
+        <p:grpSpPr>
+          <a:xfrm>
+            <a:off x="3540384" y="2259110"/>
+            <a:ext cx="5907575" cy="3675603"/>
+            <a:chOff x="3525394" y="1404671"/>
+            <a:chExt cx="5907575" cy="3675603"/>
+          </a:xfrm>
+        </p:grpSpPr>
+        <p:grpSp>
+          <p:nvGrpSpPr>
+            <p:cNvPr id="17" name="Grupo 16">
+              <a:extLst>
+                <a:ext uri="{FF2B5EF4-FFF2-40B4-BE49-F238E27FC236}">
+                  <a16:creationId xmlns:a16="http://schemas.microsoft.com/office/drawing/2014/main" id="{513B3026-84B0-4ABC-AF67-3D3D41DAF775}"/>
+                </a:ext>
+              </a:extLst>
+            </p:cNvPr>
+            <p:cNvGrpSpPr/>
+            <p:nvPr/>
+          </p:nvGrpSpPr>
+          <p:grpSpPr>
+            <a:xfrm>
+              <a:off x="3525394" y="2341219"/>
+              <a:ext cx="4610311" cy="2739055"/>
+              <a:chOff x="3128353" y="1627058"/>
+              <a:chExt cx="4610311" cy="2739055"/>
+            </a:xfrm>
+          </p:grpSpPr>
+          <p:sp>
+            <p:nvSpPr>
+              <p:cNvPr id="5" name="Forma libre: forma 4">
+                <a:extLst>
+                  <a:ext uri="{FF2B5EF4-FFF2-40B4-BE49-F238E27FC236}">
+                    <a16:creationId xmlns:a16="http://schemas.microsoft.com/office/drawing/2014/main" id="{0A567F5D-5A2B-4594-85BE-516EF602CB49}"/>
+                  </a:ext>
+                </a:extLst>
+              </p:cNvPr>
+              <p:cNvSpPr/>
+              <p:nvPr/>
+            </p:nvSpPr>
+            <p:spPr>
+              <a:xfrm>
+                <a:off x="3128353" y="1627058"/>
+                <a:ext cx="4610311" cy="2739055"/>
+              </a:xfrm>
+              <a:custGeom>
+                <a:avLst/>
+                <a:gdLst>
+                  <a:gd name="connsiteX0" fmla="*/ 421164 w 4562912"/>
+                  <a:gd name="connsiteY0" fmla="*/ 579222 h 2847197"/>
+                  <a:gd name="connsiteX1" fmla="*/ 1440 w 4562912"/>
+                  <a:gd name="connsiteY1" fmla="*/ 2288101 h 2847197"/>
+                  <a:gd name="connsiteX2" fmla="*/ 346213 w 4562912"/>
+                  <a:gd name="connsiteY2" fmla="*/ 2752796 h 2847197"/>
+                  <a:gd name="connsiteX3" fmla="*/ 1755289 w 4562912"/>
+                  <a:gd name="connsiteY3" fmla="*/ 1658514 h 2847197"/>
+                  <a:gd name="connsiteX4" fmla="*/ 2264954 w 4562912"/>
+                  <a:gd name="connsiteY4" fmla="*/ 1568573 h 2847197"/>
+                  <a:gd name="connsiteX5" fmla="*/ 2804600 w 4562912"/>
+                  <a:gd name="connsiteY5" fmla="*/ 1583563 h 2847197"/>
+                  <a:gd name="connsiteX6" fmla="*/ 3659040 w 4562912"/>
+                  <a:gd name="connsiteY6" fmla="*/ 2662855 h 2847197"/>
+                  <a:gd name="connsiteX7" fmla="*/ 4333597 w 4562912"/>
+                  <a:gd name="connsiteY7" fmla="*/ 2812757 h 2847197"/>
+                  <a:gd name="connsiteX8" fmla="*/ 4558450 w 4562912"/>
+                  <a:gd name="connsiteY8" fmla="*/ 2288101 h 2847197"/>
+                  <a:gd name="connsiteX9" fmla="*/ 4168705 w 4562912"/>
+                  <a:gd name="connsiteY9" fmla="*/ 639183 h 2847197"/>
+                  <a:gd name="connsiteX10" fmla="*/ 3404207 w 4562912"/>
+                  <a:gd name="connsiteY10" fmla="*/ 84547 h 2847197"/>
+                  <a:gd name="connsiteX11" fmla="*/ 2924522 w 4562912"/>
+                  <a:gd name="connsiteY11" fmla="*/ 24586 h 2847197"/>
+                  <a:gd name="connsiteX12" fmla="*/ 2684679 w 4562912"/>
+                  <a:gd name="connsiteY12" fmla="*/ 309399 h 2847197"/>
+                  <a:gd name="connsiteX13" fmla="*/ 2294935 w 4562912"/>
+                  <a:gd name="connsiteY13" fmla="*/ 369360 h 2847197"/>
+                  <a:gd name="connsiteX14" fmla="*/ 1845230 w 4562912"/>
+                  <a:gd name="connsiteY14" fmla="*/ 309399 h 2847197"/>
+                  <a:gd name="connsiteX15" fmla="*/ 1590397 w 4562912"/>
+                  <a:gd name="connsiteY15" fmla="*/ 114527 h 2847197"/>
+                  <a:gd name="connsiteX16" fmla="*/ 1020771 w 4562912"/>
+                  <a:gd name="connsiteY16" fmla="*/ 114527 h 2847197"/>
+                  <a:gd name="connsiteX17" fmla="*/ 511105 w 4562912"/>
+                  <a:gd name="connsiteY17" fmla="*/ 504272 h 2847197"/>
+                  <a:gd name="connsiteX0" fmla="*/ 483408 w 4565196"/>
+                  <a:gd name="connsiteY0" fmla="*/ 534251 h 2847197"/>
+                  <a:gd name="connsiteX1" fmla="*/ 3724 w 4565196"/>
+                  <a:gd name="connsiteY1" fmla="*/ 2288101 h 2847197"/>
+                  <a:gd name="connsiteX2" fmla="*/ 348497 w 4565196"/>
+                  <a:gd name="connsiteY2" fmla="*/ 2752796 h 2847197"/>
+                  <a:gd name="connsiteX3" fmla="*/ 1757573 w 4565196"/>
+                  <a:gd name="connsiteY3" fmla="*/ 1658514 h 2847197"/>
+                  <a:gd name="connsiteX4" fmla="*/ 2267238 w 4565196"/>
+                  <a:gd name="connsiteY4" fmla="*/ 1568573 h 2847197"/>
+                  <a:gd name="connsiteX5" fmla="*/ 2806884 w 4565196"/>
+                  <a:gd name="connsiteY5" fmla="*/ 1583563 h 2847197"/>
+                  <a:gd name="connsiteX6" fmla="*/ 3661324 w 4565196"/>
+                  <a:gd name="connsiteY6" fmla="*/ 2662855 h 2847197"/>
+                  <a:gd name="connsiteX7" fmla="*/ 4335881 w 4565196"/>
+                  <a:gd name="connsiteY7" fmla="*/ 2812757 h 2847197"/>
+                  <a:gd name="connsiteX8" fmla="*/ 4560734 w 4565196"/>
+                  <a:gd name="connsiteY8" fmla="*/ 2288101 h 2847197"/>
+                  <a:gd name="connsiteX9" fmla="*/ 4170989 w 4565196"/>
+                  <a:gd name="connsiteY9" fmla="*/ 639183 h 2847197"/>
+                  <a:gd name="connsiteX10" fmla="*/ 3406491 w 4565196"/>
+                  <a:gd name="connsiteY10" fmla="*/ 84547 h 2847197"/>
+                  <a:gd name="connsiteX11" fmla="*/ 2926806 w 4565196"/>
+                  <a:gd name="connsiteY11" fmla="*/ 24586 h 2847197"/>
+                  <a:gd name="connsiteX12" fmla="*/ 2686963 w 4565196"/>
+                  <a:gd name="connsiteY12" fmla="*/ 309399 h 2847197"/>
+                  <a:gd name="connsiteX13" fmla="*/ 2297219 w 4565196"/>
+                  <a:gd name="connsiteY13" fmla="*/ 369360 h 2847197"/>
+                  <a:gd name="connsiteX14" fmla="*/ 1847514 w 4565196"/>
+                  <a:gd name="connsiteY14" fmla="*/ 309399 h 2847197"/>
+                  <a:gd name="connsiteX15" fmla="*/ 1592681 w 4565196"/>
+                  <a:gd name="connsiteY15" fmla="*/ 114527 h 2847197"/>
+                  <a:gd name="connsiteX16" fmla="*/ 1023055 w 4565196"/>
+                  <a:gd name="connsiteY16" fmla="*/ 114527 h 2847197"/>
+                  <a:gd name="connsiteX17" fmla="*/ 513389 w 4565196"/>
+                  <a:gd name="connsiteY17" fmla="*/ 504272 h 2847197"/>
+                  <a:gd name="connsiteX0" fmla="*/ 483408 w 4565196"/>
+                  <a:gd name="connsiteY0" fmla="*/ 534251 h 2847197"/>
+                  <a:gd name="connsiteX1" fmla="*/ 3724 w 4565196"/>
+                  <a:gd name="connsiteY1" fmla="*/ 2288101 h 2847197"/>
+                  <a:gd name="connsiteX2" fmla="*/ 348497 w 4565196"/>
+                  <a:gd name="connsiteY2" fmla="*/ 2752796 h 2847197"/>
+                  <a:gd name="connsiteX3" fmla="*/ 1757573 w 4565196"/>
+                  <a:gd name="connsiteY3" fmla="*/ 1658514 h 2847197"/>
+                  <a:gd name="connsiteX4" fmla="*/ 2267238 w 4565196"/>
+                  <a:gd name="connsiteY4" fmla="*/ 1568573 h 2847197"/>
+                  <a:gd name="connsiteX5" fmla="*/ 2806884 w 4565196"/>
+                  <a:gd name="connsiteY5" fmla="*/ 1583563 h 2847197"/>
+                  <a:gd name="connsiteX6" fmla="*/ 3661324 w 4565196"/>
+                  <a:gd name="connsiteY6" fmla="*/ 2662855 h 2847197"/>
+                  <a:gd name="connsiteX7" fmla="*/ 4335881 w 4565196"/>
+                  <a:gd name="connsiteY7" fmla="*/ 2812757 h 2847197"/>
+                  <a:gd name="connsiteX8" fmla="*/ 4560734 w 4565196"/>
+                  <a:gd name="connsiteY8" fmla="*/ 2288101 h 2847197"/>
+                  <a:gd name="connsiteX9" fmla="*/ 4170989 w 4565196"/>
+                  <a:gd name="connsiteY9" fmla="*/ 639183 h 2847197"/>
+                  <a:gd name="connsiteX10" fmla="*/ 3406491 w 4565196"/>
+                  <a:gd name="connsiteY10" fmla="*/ 84547 h 2847197"/>
+                  <a:gd name="connsiteX11" fmla="*/ 2926806 w 4565196"/>
+                  <a:gd name="connsiteY11" fmla="*/ 24586 h 2847197"/>
+                  <a:gd name="connsiteX12" fmla="*/ 2686963 w 4565196"/>
+                  <a:gd name="connsiteY12" fmla="*/ 309399 h 2847197"/>
+                  <a:gd name="connsiteX13" fmla="*/ 2297219 w 4565196"/>
+                  <a:gd name="connsiteY13" fmla="*/ 369360 h 2847197"/>
+                  <a:gd name="connsiteX14" fmla="*/ 1847514 w 4565196"/>
+                  <a:gd name="connsiteY14" fmla="*/ 309399 h 2847197"/>
+                  <a:gd name="connsiteX15" fmla="*/ 1592681 w 4565196"/>
+                  <a:gd name="connsiteY15" fmla="*/ 114527 h 2847197"/>
+                  <a:gd name="connsiteX16" fmla="*/ 1023055 w 4565196"/>
+                  <a:gd name="connsiteY16" fmla="*/ 114527 h 2847197"/>
+                  <a:gd name="connsiteX17" fmla="*/ 513389 w 4565196"/>
+                  <a:gd name="connsiteY17" fmla="*/ 504272 h 2847197"/>
+                  <a:gd name="connsiteX0" fmla="*/ 482804 w 4564592"/>
+                  <a:gd name="connsiteY0" fmla="*/ 534251 h 2847197"/>
+                  <a:gd name="connsiteX1" fmla="*/ 3120 w 4564592"/>
+                  <a:gd name="connsiteY1" fmla="*/ 2288101 h 2847197"/>
+                  <a:gd name="connsiteX2" fmla="*/ 347893 w 4564592"/>
+                  <a:gd name="connsiteY2" fmla="*/ 2752796 h 2847197"/>
+                  <a:gd name="connsiteX3" fmla="*/ 1622058 w 4564592"/>
+                  <a:gd name="connsiteY3" fmla="*/ 1613544 h 2847197"/>
+                  <a:gd name="connsiteX4" fmla="*/ 2266634 w 4564592"/>
+                  <a:gd name="connsiteY4" fmla="*/ 1568573 h 2847197"/>
+                  <a:gd name="connsiteX5" fmla="*/ 2806280 w 4564592"/>
+                  <a:gd name="connsiteY5" fmla="*/ 1583563 h 2847197"/>
+                  <a:gd name="connsiteX6" fmla="*/ 3660720 w 4564592"/>
+                  <a:gd name="connsiteY6" fmla="*/ 2662855 h 2847197"/>
+                  <a:gd name="connsiteX7" fmla="*/ 4335277 w 4564592"/>
+                  <a:gd name="connsiteY7" fmla="*/ 2812757 h 2847197"/>
+                  <a:gd name="connsiteX8" fmla="*/ 4560130 w 4564592"/>
+                  <a:gd name="connsiteY8" fmla="*/ 2288101 h 2847197"/>
+                  <a:gd name="connsiteX9" fmla="*/ 4170385 w 4564592"/>
+                  <a:gd name="connsiteY9" fmla="*/ 639183 h 2847197"/>
+                  <a:gd name="connsiteX10" fmla="*/ 3405887 w 4564592"/>
+                  <a:gd name="connsiteY10" fmla="*/ 84547 h 2847197"/>
+                  <a:gd name="connsiteX11" fmla="*/ 2926202 w 4564592"/>
+                  <a:gd name="connsiteY11" fmla="*/ 24586 h 2847197"/>
+                  <a:gd name="connsiteX12" fmla="*/ 2686359 w 4564592"/>
+                  <a:gd name="connsiteY12" fmla="*/ 309399 h 2847197"/>
+                  <a:gd name="connsiteX13" fmla="*/ 2296615 w 4564592"/>
+                  <a:gd name="connsiteY13" fmla="*/ 369360 h 2847197"/>
+                  <a:gd name="connsiteX14" fmla="*/ 1846910 w 4564592"/>
+                  <a:gd name="connsiteY14" fmla="*/ 309399 h 2847197"/>
+                  <a:gd name="connsiteX15" fmla="*/ 1592077 w 4564592"/>
+                  <a:gd name="connsiteY15" fmla="*/ 114527 h 2847197"/>
+                  <a:gd name="connsiteX16" fmla="*/ 1022451 w 4564592"/>
+                  <a:gd name="connsiteY16" fmla="*/ 114527 h 2847197"/>
+                  <a:gd name="connsiteX17" fmla="*/ 512785 w 4564592"/>
+                  <a:gd name="connsiteY17" fmla="*/ 504272 h 2847197"/>
+                  <a:gd name="connsiteX0" fmla="*/ 482804 w 4564592"/>
+                  <a:gd name="connsiteY0" fmla="*/ 534251 h 2847197"/>
+                  <a:gd name="connsiteX1" fmla="*/ 3120 w 4564592"/>
+                  <a:gd name="connsiteY1" fmla="*/ 2288101 h 2847197"/>
+                  <a:gd name="connsiteX2" fmla="*/ 347893 w 4564592"/>
+                  <a:gd name="connsiteY2" fmla="*/ 2752796 h 2847197"/>
+                  <a:gd name="connsiteX3" fmla="*/ 1622058 w 4564592"/>
+                  <a:gd name="connsiteY3" fmla="*/ 1613544 h 2847197"/>
+                  <a:gd name="connsiteX4" fmla="*/ 2161703 w 4564592"/>
+                  <a:gd name="connsiteY4" fmla="*/ 1493622 h 2847197"/>
+                  <a:gd name="connsiteX5" fmla="*/ 2806280 w 4564592"/>
+                  <a:gd name="connsiteY5" fmla="*/ 1583563 h 2847197"/>
+                  <a:gd name="connsiteX6" fmla="*/ 3660720 w 4564592"/>
+                  <a:gd name="connsiteY6" fmla="*/ 2662855 h 2847197"/>
+                  <a:gd name="connsiteX7" fmla="*/ 4335277 w 4564592"/>
+                  <a:gd name="connsiteY7" fmla="*/ 2812757 h 2847197"/>
+                  <a:gd name="connsiteX8" fmla="*/ 4560130 w 4564592"/>
+                  <a:gd name="connsiteY8" fmla="*/ 2288101 h 2847197"/>
+                  <a:gd name="connsiteX9" fmla="*/ 4170385 w 4564592"/>
+                  <a:gd name="connsiteY9" fmla="*/ 639183 h 2847197"/>
+                  <a:gd name="connsiteX10" fmla="*/ 3405887 w 4564592"/>
+                  <a:gd name="connsiteY10" fmla="*/ 84547 h 2847197"/>
+                  <a:gd name="connsiteX11" fmla="*/ 2926202 w 4564592"/>
+                  <a:gd name="connsiteY11" fmla="*/ 24586 h 2847197"/>
+                  <a:gd name="connsiteX12" fmla="*/ 2686359 w 4564592"/>
+                  <a:gd name="connsiteY12" fmla="*/ 309399 h 2847197"/>
+                  <a:gd name="connsiteX13" fmla="*/ 2296615 w 4564592"/>
+                  <a:gd name="connsiteY13" fmla="*/ 369360 h 2847197"/>
+                  <a:gd name="connsiteX14" fmla="*/ 1846910 w 4564592"/>
+                  <a:gd name="connsiteY14" fmla="*/ 309399 h 2847197"/>
+                  <a:gd name="connsiteX15" fmla="*/ 1592077 w 4564592"/>
+                  <a:gd name="connsiteY15" fmla="*/ 114527 h 2847197"/>
+                  <a:gd name="connsiteX16" fmla="*/ 1022451 w 4564592"/>
+                  <a:gd name="connsiteY16" fmla="*/ 114527 h 2847197"/>
+                  <a:gd name="connsiteX17" fmla="*/ 512785 w 4564592"/>
+                  <a:gd name="connsiteY17" fmla="*/ 504272 h 2847197"/>
+                  <a:gd name="connsiteX0" fmla="*/ 482804 w 4564592"/>
+                  <a:gd name="connsiteY0" fmla="*/ 534251 h 2847197"/>
+                  <a:gd name="connsiteX1" fmla="*/ 3120 w 4564592"/>
+                  <a:gd name="connsiteY1" fmla="*/ 2288101 h 2847197"/>
+                  <a:gd name="connsiteX2" fmla="*/ 347893 w 4564592"/>
+                  <a:gd name="connsiteY2" fmla="*/ 2752796 h 2847197"/>
+                  <a:gd name="connsiteX3" fmla="*/ 1622058 w 4564592"/>
+                  <a:gd name="connsiteY3" fmla="*/ 1613544 h 2847197"/>
+                  <a:gd name="connsiteX4" fmla="*/ 2176693 w 4564592"/>
+                  <a:gd name="connsiteY4" fmla="*/ 1658513 h 2847197"/>
+                  <a:gd name="connsiteX5" fmla="*/ 2806280 w 4564592"/>
+                  <a:gd name="connsiteY5" fmla="*/ 1583563 h 2847197"/>
+                  <a:gd name="connsiteX6" fmla="*/ 3660720 w 4564592"/>
+                  <a:gd name="connsiteY6" fmla="*/ 2662855 h 2847197"/>
+                  <a:gd name="connsiteX7" fmla="*/ 4335277 w 4564592"/>
+                  <a:gd name="connsiteY7" fmla="*/ 2812757 h 2847197"/>
+                  <a:gd name="connsiteX8" fmla="*/ 4560130 w 4564592"/>
+                  <a:gd name="connsiteY8" fmla="*/ 2288101 h 2847197"/>
+                  <a:gd name="connsiteX9" fmla="*/ 4170385 w 4564592"/>
+                  <a:gd name="connsiteY9" fmla="*/ 639183 h 2847197"/>
+                  <a:gd name="connsiteX10" fmla="*/ 3405887 w 4564592"/>
+                  <a:gd name="connsiteY10" fmla="*/ 84547 h 2847197"/>
+                  <a:gd name="connsiteX11" fmla="*/ 2926202 w 4564592"/>
+                  <a:gd name="connsiteY11" fmla="*/ 24586 h 2847197"/>
+                  <a:gd name="connsiteX12" fmla="*/ 2686359 w 4564592"/>
+                  <a:gd name="connsiteY12" fmla="*/ 309399 h 2847197"/>
+                  <a:gd name="connsiteX13" fmla="*/ 2296615 w 4564592"/>
+                  <a:gd name="connsiteY13" fmla="*/ 369360 h 2847197"/>
+                  <a:gd name="connsiteX14" fmla="*/ 1846910 w 4564592"/>
+                  <a:gd name="connsiteY14" fmla="*/ 309399 h 2847197"/>
+                  <a:gd name="connsiteX15" fmla="*/ 1592077 w 4564592"/>
+                  <a:gd name="connsiteY15" fmla="*/ 114527 h 2847197"/>
+                  <a:gd name="connsiteX16" fmla="*/ 1022451 w 4564592"/>
+                  <a:gd name="connsiteY16" fmla="*/ 114527 h 2847197"/>
+                  <a:gd name="connsiteX17" fmla="*/ 512785 w 4564592"/>
+                  <a:gd name="connsiteY17" fmla="*/ 504272 h 2847197"/>
+                  <a:gd name="connsiteX0" fmla="*/ 482804 w 4564592"/>
+                  <a:gd name="connsiteY0" fmla="*/ 534251 h 2845517"/>
+                  <a:gd name="connsiteX1" fmla="*/ 3120 w 4564592"/>
+                  <a:gd name="connsiteY1" fmla="*/ 2288101 h 2845517"/>
+                  <a:gd name="connsiteX2" fmla="*/ 347893 w 4564592"/>
+                  <a:gd name="connsiteY2" fmla="*/ 2752796 h 2845517"/>
+                  <a:gd name="connsiteX3" fmla="*/ 1622058 w 4564592"/>
+                  <a:gd name="connsiteY3" fmla="*/ 1613544 h 2845517"/>
+                  <a:gd name="connsiteX4" fmla="*/ 2176693 w 4564592"/>
+                  <a:gd name="connsiteY4" fmla="*/ 1658513 h 2845517"/>
+                  <a:gd name="connsiteX5" fmla="*/ 2956182 w 4564592"/>
+                  <a:gd name="connsiteY5" fmla="*/ 1628534 h 2845517"/>
+                  <a:gd name="connsiteX6" fmla="*/ 3660720 w 4564592"/>
+                  <a:gd name="connsiteY6" fmla="*/ 2662855 h 2845517"/>
+                  <a:gd name="connsiteX7" fmla="*/ 4335277 w 4564592"/>
+                  <a:gd name="connsiteY7" fmla="*/ 2812757 h 2845517"/>
+                  <a:gd name="connsiteX8" fmla="*/ 4560130 w 4564592"/>
+                  <a:gd name="connsiteY8" fmla="*/ 2288101 h 2845517"/>
+                  <a:gd name="connsiteX9" fmla="*/ 4170385 w 4564592"/>
+                  <a:gd name="connsiteY9" fmla="*/ 639183 h 2845517"/>
+                  <a:gd name="connsiteX10" fmla="*/ 3405887 w 4564592"/>
+                  <a:gd name="connsiteY10" fmla="*/ 84547 h 2845517"/>
+                  <a:gd name="connsiteX11" fmla="*/ 2926202 w 4564592"/>
+                  <a:gd name="connsiteY11" fmla="*/ 24586 h 2845517"/>
+                  <a:gd name="connsiteX12" fmla="*/ 2686359 w 4564592"/>
+                  <a:gd name="connsiteY12" fmla="*/ 309399 h 2845517"/>
+                  <a:gd name="connsiteX13" fmla="*/ 2296615 w 4564592"/>
+                  <a:gd name="connsiteY13" fmla="*/ 369360 h 2845517"/>
+                  <a:gd name="connsiteX14" fmla="*/ 1846910 w 4564592"/>
+                  <a:gd name="connsiteY14" fmla="*/ 309399 h 2845517"/>
+                  <a:gd name="connsiteX15" fmla="*/ 1592077 w 4564592"/>
+                  <a:gd name="connsiteY15" fmla="*/ 114527 h 2845517"/>
+                  <a:gd name="connsiteX16" fmla="*/ 1022451 w 4564592"/>
+                  <a:gd name="connsiteY16" fmla="*/ 114527 h 2845517"/>
+                  <a:gd name="connsiteX17" fmla="*/ 512785 w 4564592"/>
+                  <a:gd name="connsiteY17" fmla="*/ 504272 h 2845517"/>
+                  <a:gd name="connsiteX0" fmla="*/ 482804 w 4564592"/>
+                  <a:gd name="connsiteY0" fmla="*/ 534251 h 2846068"/>
+                  <a:gd name="connsiteX1" fmla="*/ 3120 w 4564592"/>
+                  <a:gd name="connsiteY1" fmla="*/ 2288101 h 2846068"/>
+                  <a:gd name="connsiteX2" fmla="*/ 347893 w 4564592"/>
+                  <a:gd name="connsiteY2" fmla="*/ 2752796 h 2846068"/>
+                  <a:gd name="connsiteX3" fmla="*/ 1622058 w 4564592"/>
+                  <a:gd name="connsiteY3" fmla="*/ 1613544 h 2846068"/>
+                  <a:gd name="connsiteX4" fmla="*/ 2176693 w 4564592"/>
+                  <a:gd name="connsiteY4" fmla="*/ 1658513 h 2846068"/>
+                  <a:gd name="connsiteX5" fmla="*/ 2851251 w 4564592"/>
+                  <a:gd name="connsiteY5" fmla="*/ 1613544 h 2846068"/>
+                  <a:gd name="connsiteX6" fmla="*/ 3660720 w 4564592"/>
+                  <a:gd name="connsiteY6" fmla="*/ 2662855 h 2846068"/>
+                  <a:gd name="connsiteX7" fmla="*/ 4335277 w 4564592"/>
+                  <a:gd name="connsiteY7" fmla="*/ 2812757 h 2846068"/>
+                  <a:gd name="connsiteX8" fmla="*/ 4560130 w 4564592"/>
+                  <a:gd name="connsiteY8" fmla="*/ 2288101 h 2846068"/>
+                  <a:gd name="connsiteX9" fmla="*/ 4170385 w 4564592"/>
+                  <a:gd name="connsiteY9" fmla="*/ 639183 h 2846068"/>
+                  <a:gd name="connsiteX10" fmla="*/ 3405887 w 4564592"/>
+                  <a:gd name="connsiteY10" fmla="*/ 84547 h 2846068"/>
+                  <a:gd name="connsiteX11" fmla="*/ 2926202 w 4564592"/>
+                  <a:gd name="connsiteY11" fmla="*/ 24586 h 2846068"/>
+                  <a:gd name="connsiteX12" fmla="*/ 2686359 w 4564592"/>
+                  <a:gd name="connsiteY12" fmla="*/ 309399 h 2846068"/>
+                  <a:gd name="connsiteX13" fmla="*/ 2296615 w 4564592"/>
+                  <a:gd name="connsiteY13" fmla="*/ 369360 h 2846068"/>
+                  <a:gd name="connsiteX14" fmla="*/ 1846910 w 4564592"/>
+                  <a:gd name="connsiteY14" fmla="*/ 309399 h 2846068"/>
+                  <a:gd name="connsiteX15" fmla="*/ 1592077 w 4564592"/>
+                  <a:gd name="connsiteY15" fmla="*/ 114527 h 2846068"/>
+                  <a:gd name="connsiteX16" fmla="*/ 1022451 w 4564592"/>
+                  <a:gd name="connsiteY16" fmla="*/ 114527 h 2846068"/>
+                  <a:gd name="connsiteX17" fmla="*/ 512785 w 4564592"/>
+                  <a:gd name="connsiteY17" fmla="*/ 504272 h 2846068"/>
+                  <a:gd name="connsiteX0" fmla="*/ 484276 w 4566064"/>
+                  <a:gd name="connsiteY0" fmla="*/ 534251 h 2846068"/>
+                  <a:gd name="connsiteX1" fmla="*/ 4592 w 4566064"/>
+                  <a:gd name="connsiteY1" fmla="*/ 2288101 h 2846068"/>
+                  <a:gd name="connsiteX2" fmla="*/ 724119 w 4566064"/>
+                  <a:gd name="connsiteY2" fmla="*/ 2692835 h 2846068"/>
+                  <a:gd name="connsiteX3" fmla="*/ 1623530 w 4566064"/>
+                  <a:gd name="connsiteY3" fmla="*/ 1613544 h 2846068"/>
+                  <a:gd name="connsiteX4" fmla="*/ 2178165 w 4566064"/>
+                  <a:gd name="connsiteY4" fmla="*/ 1658513 h 2846068"/>
+                  <a:gd name="connsiteX5" fmla="*/ 2852723 w 4566064"/>
+                  <a:gd name="connsiteY5" fmla="*/ 1613544 h 2846068"/>
+                  <a:gd name="connsiteX6" fmla="*/ 3662192 w 4566064"/>
+                  <a:gd name="connsiteY6" fmla="*/ 2662855 h 2846068"/>
+                  <a:gd name="connsiteX7" fmla="*/ 4336749 w 4566064"/>
+                  <a:gd name="connsiteY7" fmla="*/ 2812757 h 2846068"/>
+                  <a:gd name="connsiteX8" fmla="*/ 4561602 w 4566064"/>
+                  <a:gd name="connsiteY8" fmla="*/ 2288101 h 2846068"/>
+                  <a:gd name="connsiteX9" fmla="*/ 4171857 w 4566064"/>
+                  <a:gd name="connsiteY9" fmla="*/ 639183 h 2846068"/>
+                  <a:gd name="connsiteX10" fmla="*/ 3407359 w 4566064"/>
+                  <a:gd name="connsiteY10" fmla="*/ 84547 h 2846068"/>
+                  <a:gd name="connsiteX11" fmla="*/ 2927674 w 4566064"/>
+                  <a:gd name="connsiteY11" fmla="*/ 24586 h 2846068"/>
+                  <a:gd name="connsiteX12" fmla="*/ 2687831 w 4566064"/>
+                  <a:gd name="connsiteY12" fmla="*/ 309399 h 2846068"/>
+                  <a:gd name="connsiteX13" fmla="*/ 2298087 w 4566064"/>
+                  <a:gd name="connsiteY13" fmla="*/ 369360 h 2846068"/>
+                  <a:gd name="connsiteX14" fmla="*/ 1848382 w 4566064"/>
+                  <a:gd name="connsiteY14" fmla="*/ 309399 h 2846068"/>
+                  <a:gd name="connsiteX15" fmla="*/ 1593549 w 4566064"/>
+                  <a:gd name="connsiteY15" fmla="*/ 114527 h 2846068"/>
+                  <a:gd name="connsiteX16" fmla="*/ 1023923 w 4566064"/>
+                  <a:gd name="connsiteY16" fmla="*/ 114527 h 2846068"/>
+                  <a:gd name="connsiteX17" fmla="*/ 514257 w 4566064"/>
+                  <a:gd name="connsiteY17" fmla="*/ 504272 h 2846068"/>
+                  <a:gd name="connsiteX0" fmla="*/ 484276 w 4566064"/>
+                  <a:gd name="connsiteY0" fmla="*/ 494394 h 2806211"/>
+                  <a:gd name="connsiteX1" fmla="*/ 4592 w 4566064"/>
+                  <a:gd name="connsiteY1" fmla="*/ 2248244 h 2806211"/>
+                  <a:gd name="connsiteX2" fmla="*/ 724119 w 4566064"/>
+                  <a:gd name="connsiteY2" fmla="*/ 2652978 h 2806211"/>
+                  <a:gd name="connsiteX3" fmla="*/ 1623530 w 4566064"/>
+                  <a:gd name="connsiteY3" fmla="*/ 1573687 h 2806211"/>
+                  <a:gd name="connsiteX4" fmla="*/ 2178165 w 4566064"/>
+                  <a:gd name="connsiteY4" fmla="*/ 1618656 h 2806211"/>
+                  <a:gd name="connsiteX5" fmla="*/ 2852723 w 4566064"/>
+                  <a:gd name="connsiteY5" fmla="*/ 1573687 h 2806211"/>
+                  <a:gd name="connsiteX6" fmla="*/ 3662192 w 4566064"/>
+                  <a:gd name="connsiteY6" fmla="*/ 2622998 h 2806211"/>
+                  <a:gd name="connsiteX7" fmla="*/ 4336749 w 4566064"/>
+                  <a:gd name="connsiteY7" fmla="*/ 2772900 h 2806211"/>
+                  <a:gd name="connsiteX8" fmla="*/ 4561602 w 4566064"/>
+                  <a:gd name="connsiteY8" fmla="*/ 2248244 h 2806211"/>
+                  <a:gd name="connsiteX9" fmla="*/ 4171857 w 4566064"/>
+                  <a:gd name="connsiteY9" fmla="*/ 599326 h 2806211"/>
+                  <a:gd name="connsiteX10" fmla="*/ 3407359 w 4566064"/>
+                  <a:gd name="connsiteY10" fmla="*/ 44690 h 2806211"/>
+                  <a:gd name="connsiteX11" fmla="*/ 2897693 w 4566064"/>
+                  <a:gd name="connsiteY11" fmla="*/ 59680 h 2806211"/>
+                  <a:gd name="connsiteX12" fmla="*/ 2687831 w 4566064"/>
+                  <a:gd name="connsiteY12" fmla="*/ 269542 h 2806211"/>
+                  <a:gd name="connsiteX13" fmla="*/ 2298087 w 4566064"/>
+                  <a:gd name="connsiteY13" fmla="*/ 329503 h 2806211"/>
+                  <a:gd name="connsiteX14" fmla="*/ 1848382 w 4566064"/>
+                  <a:gd name="connsiteY14" fmla="*/ 269542 h 2806211"/>
+                  <a:gd name="connsiteX15" fmla="*/ 1593549 w 4566064"/>
+                  <a:gd name="connsiteY15" fmla="*/ 74670 h 2806211"/>
+                  <a:gd name="connsiteX16" fmla="*/ 1023923 w 4566064"/>
+                  <a:gd name="connsiteY16" fmla="*/ 74670 h 2806211"/>
+                  <a:gd name="connsiteX17" fmla="*/ 514257 w 4566064"/>
+                  <a:gd name="connsiteY17" fmla="*/ 464415 h 2806211"/>
+                  <a:gd name="connsiteX0" fmla="*/ 484276 w 4566064"/>
+                  <a:gd name="connsiteY0" fmla="*/ 494394 h 2806211"/>
+                  <a:gd name="connsiteX1" fmla="*/ 4592 w 4566064"/>
+                  <a:gd name="connsiteY1" fmla="*/ 2248244 h 2806211"/>
+                  <a:gd name="connsiteX2" fmla="*/ 724119 w 4566064"/>
+                  <a:gd name="connsiteY2" fmla="*/ 2652978 h 2806211"/>
+                  <a:gd name="connsiteX3" fmla="*/ 1623530 w 4566064"/>
+                  <a:gd name="connsiteY3" fmla="*/ 1573687 h 2806211"/>
+                  <a:gd name="connsiteX4" fmla="*/ 2178165 w 4566064"/>
+                  <a:gd name="connsiteY4" fmla="*/ 1618656 h 2806211"/>
+                  <a:gd name="connsiteX5" fmla="*/ 2852723 w 4566064"/>
+                  <a:gd name="connsiteY5" fmla="*/ 1573687 h 2806211"/>
+                  <a:gd name="connsiteX6" fmla="*/ 3662192 w 4566064"/>
+                  <a:gd name="connsiteY6" fmla="*/ 2622998 h 2806211"/>
+                  <a:gd name="connsiteX7" fmla="*/ 4336749 w 4566064"/>
+                  <a:gd name="connsiteY7" fmla="*/ 2772900 h 2806211"/>
+                  <a:gd name="connsiteX8" fmla="*/ 4561602 w 4566064"/>
+                  <a:gd name="connsiteY8" fmla="*/ 2248244 h 2806211"/>
+                  <a:gd name="connsiteX9" fmla="*/ 4171857 w 4566064"/>
+                  <a:gd name="connsiteY9" fmla="*/ 599326 h 2806211"/>
+                  <a:gd name="connsiteX10" fmla="*/ 3407359 w 4566064"/>
+                  <a:gd name="connsiteY10" fmla="*/ 44690 h 2806211"/>
+                  <a:gd name="connsiteX11" fmla="*/ 2897693 w 4566064"/>
+                  <a:gd name="connsiteY11" fmla="*/ 59680 h 2806211"/>
+                  <a:gd name="connsiteX12" fmla="*/ 2687831 w 4566064"/>
+                  <a:gd name="connsiteY12" fmla="*/ 269542 h 2806211"/>
+                  <a:gd name="connsiteX13" fmla="*/ 2298087 w 4566064"/>
+                  <a:gd name="connsiteY13" fmla="*/ 329503 h 2806211"/>
+                  <a:gd name="connsiteX14" fmla="*/ 1848382 w 4566064"/>
+                  <a:gd name="connsiteY14" fmla="*/ 269542 h 2806211"/>
+                  <a:gd name="connsiteX15" fmla="*/ 1593549 w 4566064"/>
+                  <a:gd name="connsiteY15" fmla="*/ 74670 h 2806211"/>
+                  <a:gd name="connsiteX16" fmla="*/ 1023923 w 4566064"/>
+                  <a:gd name="connsiteY16" fmla="*/ 74670 h 2806211"/>
+                  <a:gd name="connsiteX17" fmla="*/ 454296 w 4566064"/>
+                  <a:gd name="connsiteY17" fmla="*/ 524376 h 2806211"/>
+                  <a:gd name="connsiteX0" fmla="*/ 484276 w 4566064"/>
+                  <a:gd name="connsiteY0" fmla="*/ 494394 h 2806211"/>
+                  <a:gd name="connsiteX1" fmla="*/ 4592 w 4566064"/>
+                  <a:gd name="connsiteY1" fmla="*/ 2248244 h 2806211"/>
+                  <a:gd name="connsiteX2" fmla="*/ 724119 w 4566064"/>
+                  <a:gd name="connsiteY2" fmla="*/ 2652978 h 2806211"/>
+                  <a:gd name="connsiteX3" fmla="*/ 1623530 w 4566064"/>
+                  <a:gd name="connsiteY3" fmla="*/ 1573687 h 2806211"/>
+                  <a:gd name="connsiteX4" fmla="*/ 2178165 w 4566064"/>
+                  <a:gd name="connsiteY4" fmla="*/ 1618656 h 2806211"/>
+                  <a:gd name="connsiteX5" fmla="*/ 2852723 w 4566064"/>
+                  <a:gd name="connsiteY5" fmla="*/ 1573687 h 2806211"/>
+                  <a:gd name="connsiteX6" fmla="*/ 3662192 w 4566064"/>
+                  <a:gd name="connsiteY6" fmla="*/ 2622998 h 2806211"/>
+                  <a:gd name="connsiteX7" fmla="*/ 4336749 w 4566064"/>
+                  <a:gd name="connsiteY7" fmla="*/ 2772900 h 2806211"/>
+                  <a:gd name="connsiteX8" fmla="*/ 4561602 w 4566064"/>
+                  <a:gd name="connsiteY8" fmla="*/ 2248244 h 2806211"/>
+                  <a:gd name="connsiteX9" fmla="*/ 4171857 w 4566064"/>
+                  <a:gd name="connsiteY9" fmla="*/ 599326 h 2806211"/>
+                  <a:gd name="connsiteX10" fmla="*/ 3407359 w 4566064"/>
+                  <a:gd name="connsiteY10" fmla="*/ 44690 h 2806211"/>
+                  <a:gd name="connsiteX11" fmla="*/ 2897693 w 4566064"/>
+                  <a:gd name="connsiteY11" fmla="*/ 59680 h 2806211"/>
+                  <a:gd name="connsiteX12" fmla="*/ 2687831 w 4566064"/>
+                  <a:gd name="connsiteY12" fmla="*/ 269542 h 2806211"/>
+                  <a:gd name="connsiteX13" fmla="*/ 2298087 w 4566064"/>
+                  <a:gd name="connsiteY13" fmla="*/ 329503 h 2806211"/>
+                  <a:gd name="connsiteX14" fmla="*/ 1848382 w 4566064"/>
+                  <a:gd name="connsiteY14" fmla="*/ 269542 h 2806211"/>
+                  <a:gd name="connsiteX15" fmla="*/ 1593549 w 4566064"/>
+                  <a:gd name="connsiteY15" fmla="*/ 74670 h 2806211"/>
+                  <a:gd name="connsiteX16" fmla="*/ 1023923 w 4566064"/>
+                  <a:gd name="connsiteY16" fmla="*/ 74670 h 2806211"/>
+                  <a:gd name="connsiteX17" fmla="*/ 454296 w 4566064"/>
+                  <a:gd name="connsiteY17" fmla="*/ 524376 h 2806211"/>
+                  <a:gd name="connsiteX0" fmla="*/ 484276 w 4566064"/>
+                  <a:gd name="connsiteY0" fmla="*/ 494394 h 2806211"/>
+                  <a:gd name="connsiteX1" fmla="*/ 4592 w 4566064"/>
+                  <a:gd name="connsiteY1" fmla="*/ 2248244 h 2806211"/>
+                  <a:gd name="connsiteX2" fmla="*/ 724119 w 4566064"/>
+                  <a:gd name="connsiteY2" fmla="*/ 2652978 h 2806211"/>
+                  <a:gd name="connsiteX3" fmla="*/ 1623530 w 4566064"/>
+                  <a:gd name="connsiteY3" fmla="*/ 1573687 h 2806211"/>
+                  <a:gd name="connsiteX4" fmla="*/ 2238126 w 4566064"/>
+                  <a:gd name="connsiteY4" fmla="*/ 1618656 h 2806211"/>
+                  <a:gd name="connsiteX5" fmla="*/ 2852723 w 4566064"/>
+                  <a:gd name="connsiteY5" fmla="*/ 1573687 h 2806211"/>
+                  <a:gd name="connsiteX6" fmla="*/ 3662192 w 4566064"/>
+                  <a:gd name="connsiteY6" fmla="*/ 2622998 h 2806211"/>
+                  <a:gd name="connsiteX7" fmla="*/ 4336749 w 4566064"/>
+                  <a:gd name="connsiteY7" fmla="*/ 2772900 h 2806211"/>
+                  <a:gd name="connsiteX8" fmla="*/ 4561602 w 4566064"/>
+                  <a:gd name="connsiteY8" fmla="*/ 2248244 h 2806211"/>
+                  <a:gd name="connsiteX9" fmla="*/ 4171857 w 4566064"/>
+                  <a:gd name="connsiteY9" fmla="*/ 599326 h 2806211"/>
+                  <a:gd name="connsiteX10" fmla="*/ 3407359 w 4566064"/>
+                  <a:gd name="connsiteY10" fmla="*/ 44690 h 2806211"/>
+                  <a:gd name="connsiteX11" fmla="*/ 2897693 w 4566064"/>
+                  <a:gd name="connsiteY11" fmla="*/ 59680 h 2806211"/>
+                  <a:gd name="connsiteX12" fmla="*/ 2687831 w 4566064"/>
+                  <a:gd name="connsiteY12" fmla="*/ 269542 h 2806211"/>
+                  <a:gd name="connsiteX13" fmla="*/ 2298087 w 4566064"/>
+                  <a:gd name="connsiteY13" fmla="*/ 329503 h 2806211"/>
+                  <a:gd name="connsiteX14" fmla="*/ 1848382 w 4566064"/>
+                  <a:gd name="connsiteY14" fmla="*/ 269542 h 2806211"/>
+                  <a:gd name="connsiteX15" fmla="*/ 1593549 w 4566064"/>
+                  <a:gd name="connsiteY15" fmla="*/ 74670 h 2806211"/>
+                  <a:gd name="connsiteX16" fmla="*/ 1023923 w 4566064"/>
+                  <a:gd name="connsiteY16" fmla="*/ 74670 h 2806211"/>
+                  <a:gd name="connsiteX17" fmla="*/ 454296 w 4566064"/>
+                  <a:gd name="connsiteY17" fmla="*/ 524376 h 2806211"/>
+                  <a:gd name="connsiteX0" fmla="*/ 484276 w 4566064"/>
+                  <a:gd name="connsiteY0" fmla="*/ 494394 h 2806211"/>
+                  <a:gd name="connsiteX1" fmla="*/ 4592 w 4566064"/>
+                  <a:gd name="connsiteY1" fmla="*/ 2248244 h 2806211"/>
+                  <a:gd name="connsiteX2" fmla="*/ 724119 w 4566064"/>
+                  <a:gd name="connsiteY2" fmla="*/ 2652978 h 2806211"/>
+                  <a:gd name="connsiteX3" fmla="*/ 1623530 w 4566064"/>
+                  <a:gd name="connsiteY3" fmla="*/ 1573687 h 2806211"/>
+                  <a:gd name="connsiteX4" fmla="*/ 2238126 w 4566064"/>
+                  <a:gd name="connsiteY4" fmla="*/ 1618656 h 2806211"/>
+                  <a:gd name="connsiteX5" fmla="*/ 2852723 w 4566064"/>
+                  <a:gd name="connsiteY5" fmla="*/ 1573687 h 2806211"/>
+                  <a:gd name="connsiteX6" fmla="*/ 3662192 w 4566064"/>
+                  <a:gd name="connsiteY6" fmla="*/ 2622998 h 2806211"/>
+                  <a:gd name="connsiteX7" fmla="*/ 4336749 w 4566064"/>
+                  <a:gd name="connsiteY7" fmla="*/ 2772900 h 2806211"/>
+                  <a:gd name="connsiteX8" fmla="*/ 4561602 w 4566064"/>
+                  <a:gd name="connsiteY8" fmla="*/ 2248244 h 2806211"/>
+                  <a:gd name="connsiteX9" fmla="*/ 4171857 w 4566064"/>
+                  <a:gd name="connsiteY9" fmla="*/ 599326 h 2806211"/>
+                  <a:gd name="connsiteX10" fmla="*/ 3407359 w 4566064"/>
+                  <a:gd name="connsiteY10" fmla="*/ 44690 h 2806211"/>
+                  <a:gd name="connsiteX11" fmla="*/ 2897693 w 4566064"/>
+                  <a:gd name="connsiteY11" fmla="*/ 59680 h 2806211"/>
+                  <a:gd name="connsiteX12" fmla="*/ 2687831 w 4566064"/>
+                  <a:gd name="connsiteY12" fmla="*/ 269542 h 2806211"/>
+                  <a:gd name="connsiteX13" fmla="*/ 2298087 w 4566064"/>
+                  <a:gd name="connsiteY13" fmla="*/ 329503 h 2806211"/>
+                  <a:gd name="connsiteX14" fmla="*/ 1848382 w 4566064"/>
+                  <a:gd name="connsiteY14" fmla="*/ 269542 h 2806211"/>
+                  <a:gd name="connsiteX15" fmla="*/ 1578559 w 4566064"/>
+                  <a:gd name="connsiteY15" fmla="*/ 29699 h 2806211"/>
+                  <a:gd name="connsiteX16" fmla="*/ 1023923 w 4566064"/>
+                  <a:gd name="connsiteY16" fmla="*/ 74670 h 2806211"/>
+                  <a:gd name="connsiteX17" fmla="*/ 454296 w 4566064"/>
+                  <a:gd name="connsiteY17" fmla="*/ 524376 h 2806211"/>
+                  <a:gd name="connsiteX0" fmla="*/ 484276 w 4566064"/>
+                  <a:gd name="connsiteY0" fmla="*/ 494394 h 2806211"/>
+                  <a:gd name="connsiteX1" fmla="*/ 4592 w 4566064"/>
+                  <a:gd name="connsiteY1" fmla="*/ 2248244 h 2806211"/>
+                  <a:gd name="connsiteX2" fmla="*/ 724119 w 4566064"/>
+                  <a:gd name="connsiteY2" fmla="*/ 2652978 h 2806211"/>
+                  <a:gd name="connsiteX3" fmla="*/ 1623530 w 4566064"/>
+                  <a:gd name="connsiteY3" fmla="*/ 1573687 h 2806211"/>
+                  <a:gd name="connsiteX4" fmla="*/ 2238126 w 4566064"/>
+                  <a:gd name="connsiteY4" fmla="*/ 1618656 h 2806211"/>
+                  <a:gd name="connsiteX5" fmla="*/ 2852723 w 4566064"/>
+                  <a:gd name="connsiteY5" fmla="*/ 1573687 h 2806211"/>
+                  <a:gd name="connsiteX6" fmla="*/ 3662192 w 4566064"/>
+                  <a:gd name="connsiteY6" fmla="*/ 2622998 h 2806211"/>
+                  <a:gd name="connsiteX7" fmla="*/ 4336749 w 4566064"/>
+                  <a:gd name="connsiteY7" fmla="*/ 2772900 h 2806211"/>
+                  <a:gd name="connsiteX8" fmla="*/ 4561602 w 4566064"/>
+                  <a:gd name="connsiteY8" fmla="*/ 2248244 h 2806211"/>
+                  <a:gd name="connsiteX9" fmla="*/ 4171857 w 4566064"/>
+                  <a:gd name="connsiteY9" fmla="*/ 599326 h 2806211"/>
+                  <a:gd name="connsiteX10" fmla="*/ 3407359 w 4566064"/>
+                  <a:gd name="connsiteY10" fmla="*/ 44690 h 2806211"/>
+                  <a:gd name="connsiteX11" fmla="*/ 2897693 w 4566064"/>
+                  <a:gd name="connsiteY11" fmla="*/ 59680 h 2806211"/>
+                  <a:gd name="connsiteX12" fmla="*/ 2687831 w 4566064"/>
+                  <a:gd name="connsiteY12" fmla="*/ 269542 h 2806211"/>
+                  <a:gd name="connsiteX13" fmla="*/ 2298087 w 4566064"/>
+                  <a:gd name="connsiteY13" fmla="*/ 329503 h 2806211"/>
+                  <a:gd name="connsiteX14" fmla="*/ 1848382 w 4566064"/>
+                  <a:gd name="connsiteY14" fmla="*/ 269542 h 2806211"/>
+                  <a:gd name="connsiteX15" fmla="*/ 1578559 w 4566064"/>
+                  <a:gd name="connsiteY15" fmla="*/ 29699 h 2806211"/>
+                  <a:gd name="connsiteX16" fmla="*/ 1008932 w 4566064"/>
+                  <a:gd name="connsiteY16" fmla="*/ 74670 h 2806211"/>
+                  <a:gd name="connsiteX17" fmla="*/ 454296 w 4566064"/>
+                  <a:gd name="connsiteY17" fmla="*/ 524376 h 2806211"/>
+                  <a:gd name="connsiteX0" fmla="*/ 484276 w 4566500"/>
+                  <a:gd name="connsiteY0" fmla="*/ 494394 h 2793746"/>
+                  <a:gd name="connsiteX1" fmla="*/ 4592 w 4566500"/>
+                  <a:gd name="connsiteY1" fmla="*/ 2248244 h 2793746"/>
+                  <a:gd name="connsiteX2" fmla="*/ 724119 w 4566500"/>
+                  <a:gd name="connsiteY2" fmla="*/ 2652978 h 2793746"/>
+                  <a:gd name="connsiteX3" fmla="*/ 1623530 w 4566500"/>
+                  <a:gd name="connsiteY3" fmla="*/ 1573687 h 2793746"/>
+                  <a:gd name="connsiteX4" fmla="*/ 2238126 w 4566500"/>
+                  <a:gd name="connsiteY4" fmla="*/ 1618656 h 2793746"/>
+                  <a:gd name="connsiteX5" fmla="*/ 2852723 w 4566500"/>
+                  <a:gd name="connsiteY5" fmla="*/ 1573687 h 2793746"/>
+                  <a:gd name="connsiteX6" fmla="*/ 3587241 w 4566500"/>
+                  <a:gd name="connsiteY6" fmla="*/ 2578028 h 2793746"/>
+                  <a:gd name="connsiteX7" fmla="*/ 4336749 w 4566500"/>
+                  <a:gd name="connsiteY7" fmla="*/ 2772900 h 2793746"/>
+                  <a:gd name="connsiteX8" fmla="*/ 4561602 w 4566500"/>
+                  <a:gd name="connsiteY8" fmla="*/ 2248244 h 2793746"/>
+                  <a:gd name="connsiteX9" fmla="*/ 4171857 w 4566500"/>
+                  <a:gd name="connsiteY9" fmla="*/ 599326 h 2793746"/>
+                  <a:gd name="connsiteX10" fmla="*/ 3407359 w 4566500"/>
+                  <a:gd name="connsiteY10" fmla="*/ 44690 h 2793746"/>
+                  <a:gd name="connsiteX11" fmla="*/ 2897693 w 4566500"/>
+                  <a:gd name="connsiteY11" fmla="*/ 59680 h 2793746"/>
+                  <a:gd name="connsiteX12" fmla="*/ 2687831 w 4566500"/>
+                  <a:gd name="connsiteY12" fmla="*/ 269542 h 2793746"/>
+                  <a:gd name="connsiteX13" fmla="*/ 2298087 w 4566500"/>
+                  <a:gd name="connsiteY13" fmla="*/ 329503 h 2793746"/>
+                  <a:gd name="connsiteX14" fmla="*/ 1848382 w 4566500"/>
+                  <a:gd name="connsiteY14" fmla="*/ 269542 h 2793746"/>
+                  <a:gd name="connsiteX15" fmla="*/ 1578559 w 4566500"/>
+                  <a:gd name="connsiteY15" fmla="*/ 29699 h 2793746"/>
+                  <a:gd name="connsiteX16" fmla="*/ 1008932 w 4566500"/>
+                  <a:gd name="connsiteY16" fmla="*/ 74670 h 2793746"/>
+                  <a:gd name="connsiteX17" fmla="*/ 454296 w 4566500"/>
+                  <a:gd name="connsiteY17" fmla="*/ 524376 h 2793746"/>
+                  <a:gd name="connsiteX0" fmla="*/ 484276 w 4566500"/>
+                  <a:gd name="connsiteY0" fmla="*/ 494394 h 2733572"/>
+                  <a:gd name="connsiteX1" fmla="*/ 4592 w 4566500"/>
+                  <a:gd name="connsiteY1" fmla="*/ 2248244 h 2733572"/>
+                  <a:gd name="connsiteX2" fmla="*/ 724119 w 4566500"/>
+                  <a:gd name="connsiteY2" fmla="*/ 2652978 h 2733572"/>
+                  <a:gd name="connsiteX3" fmla="*/ 1623530 w 4566500"/>
+                  <a:gd name="connsiteY3" fmla="*/ 1573687 h 2733572"/>
+                  <a:gd name="connsiteX4" fmla="*/ 2238126 w 4566500"/>
+                  <a:gd name="connsiteY4" fmla="*/ 1618656 h 2733572"/>
+                  <a:gd name="connsiteX5" fmla="*/ 2852723 w 4566500"/>
+                  <a:gd name="connsiteY5" fmla="*/ 1573687 h 2733572"/>
+                  <a:gd name="connsiteX6" fmla="*/ 3587241 w 4566500"/>
+                  <a:gd name="connsiteY6" fmla="*/ 2578028 h 2733572"/>
+                  <a:gd name="connsiteX7" fmla="*/ 4336749 w 4566500"/>
+                  <a:gd name="connsiteY7" fmla="*/ 2697949 h 2733572"/>
+                  <a:gd name="connsiteX8" fmla="*/ 4561602 w 4566500"/>
+                  <a:gd name="connsiteY8" fmla="*/ 2248244 h 2733572"/>
+                  <a:gd name="connsiteX9" fmla="*/ 4171857 w 4566500"/>
+                  <a:gd name="connsiteY9" fmla="*/ 599326 h 2733572"/>
+                  <a:gd name="connsiteX10" fmla="*/ 3407359 w 4566500"/>
+                  <a:gd name="connsiteY10" fmla="*/ 44690 h 2733572"/>
+                  <a:gd name="connsiteX11" fmla="*/ 2897693 w 4566500"/>
+                  <a:gd name="connsiteY11" fmla="*/ 59680 h 2733572"/>
+                  <a:gd name="connsiteX12" fmla="*/ 2687831 w 4566500"/>
+                  <a:gd name="connsiteY12" fmla="*/ 269542 h 2733572"/>
+                  <a:gd name="connsiteX13" fmla="*/ 2298087 w 4566500"/>
+                  <a:gd name="connsiteY13" fmla="*/ 329503 h 2733572"/>
+                  <a:gd name="connsiteX14" fmla="*/ 1848382 w 4566500"/>
+                  <a:gd name="connsiteY14" fmla="*/ 269542 h 2733572"/>
+                  <a:gd name="connsiteX15" fmla="*/ 1578559 w 4566500"/>
+                  <a:gd name="connsiteY15" fmla="*/ 29699 h 2733572"/>
+                  <a:gd name="connsiteX16" fmla="*/ 1008932 w 4566500"/>
+                  <a:gd name="connsiteY16" fmla="*/ 74670 h 2733572"/>
+                  <a:gd name="connsiteX17" fmla="*/ 454296 w 4566500"/>
+                  <a:gd name="connsiteY17" fmla="*/ 524376 h 2733572"/>
+                  <a:gd name="connsiteX0" fmla="*/ 484276 w 4610311"/>
+                  <a:gd name="connsiteY0" fmla="*/ 494394 h 2739055"/>
+                  <a:gd name="connsiteX1" fmla="*/ 4592 w 4610311"/>
+                  <a:gd name="connsiteY1" fmla="*/ 2248244 h 2739055"/>
+                  <a:gd name="connsiteX2" fmla="*/ 724119 w 4610311"/>
+                  <a:gd name="connsiteY2" fmla="*/ 2652978 h 2739055"/>
+                  <a:gd name="connsiteX3" fmla="*/ 1623530 w 4610311"/>
+                  <a:gd name="connsiteY3" fmla="*/ 1573687 h 2739055"/>
+                  <a:gd name="connsiteX4" fmla="*/ 2238126 w 4610311"/>
+                  <a:gd name="connsiteY4" fmla="*/ 1618656 h 2739055"/>
+                  <a:gd name="connsiteX5" fmla="*/ 2852723 w 4610311"/>
+                  <a:gd name="connsiteY5" fmla="*/ 1573687 h 2739055"/>
+                  <a:gd name="connsiteX6" fmla="*/ 3587241 w 4610311"/>
+                  <a:gd name="connsiteY6" fmla="*/ 2578028 h 2739055"/>
+                  <a:gd name="connsiteX7" fmla="*/ 4336749 w 4610311"/>
+                  <a:gd name="connsiteY7" fmla="*/ 2697949 h 2739055"/>
+                  <a:gd name="connsiteX8" fmla="*/ 4606572 w 4610311"/>
+                  <a:gd name="connsiteY8" fmla="*/ 2173293 h 2739055"/>
+                  <a:gd name="connsiteX9" fmla="*/ 4171857 w 4610311"/>
+                  <a:gd name="connsiteY9" fmla="*/ 599326 h 2739055"/>
+                  <a:gd name="connsiteX10" fmla="*/ 3407359 w 4610311"/>
+                  <a:gd name="connsiteY10" fmla="*/ 44690 h 2739055"/>
+                  <a:gd name="connsiteX11" fmla="*/ 2897693 w 4610311"/>
+                  <a:gd name="connsiteY11" fmla="*/ 59680 h 2739055"/>
+                  <a:gd name="connsiteX12" fmla="*/ 2687831 w 4610311"/>
+                  <a:gd name="connsiteY12" fmla="*/ 269542 h 2739055"/>
+                  <a:gd name="connsiteX13" fmla="*/ 2298087 w 4610311"/>
+                  <a:gd name="connsiteY13" fmla="*/ 329503 h 2739055"/>
+                  <a:gd name="connsiteX14" fmla="*/ 1848382 w 4610311"/>
+                  <a:gd name="connsiteY14" fmla="*/ 269542 h 2739055"/>
+                  <a:gd name="connsiteX15" fmla="*/ 1578559 w 4610311"/>
+                  <a:gd name="connsiteY15" fmla="*/ 29699 h 2739055"/>
+                  <a:gd name="connsiteX16" fmla="*/ 1008932 w 4610311"/>
+                  <a:gd name="connsiteY16" fmla="*/ 74670 h 2739055"/>
+                  <a:gd name="connsiteX17" fmla="*/ 454296 w 4610311"/>
+                  <a:gd name="connsiteY17" fmla="*/ 524376 h 2739055"/>
+                  <a:gd name="connsiteX0" fmla="*/ 484276 w 4610311"/>
+                  <a:gd name="connsiteY0" fmla="*/ 494394 h 2739055"/>
+                  <a:gd name="connsiteX1" fmla="*/ 4592 w 4610311"/>
+                  <a:gd name="connsiteY1" fmla="*/ 2248244 h 2739055"/>
+                  <a:gd name="connsiteX2" fmla="*/ 724119 w 4610311"/>
+                  <a:gd name="connsiteY2" fmla="*/ 2652978 h 2739055"/>
+                  <a:gd name="connsiteX3" fmla="*/ 1623530 w 4610311"/>
+                  <a:gd name="connsiteY3" fmla="*/ 1573687 h 2739055"/>
+                  <a:gd name="connsiteX4" fmla="*/ 2238126 w 4610311"/>
+                  <a:gd name="connsiteY4" fmla="*/ 1618656 h 2739055"/>
+                  <a:gd name="connsiteX5" fmla="*/ 2852723 w 4610311"/>
+                  <a:gd name="connsiteY5" fmla="*/ 1573687 h 2739055"/>
+                  <a:gd name="connsiteX6" fmla="*/ 3587241 w 4610311"/>
+                  <a:gd name="connsiteY6" fmla="*/ 2578028 h 2739055"/>
+                  <a:gd name="connsiteX7" fmla="*/ 4336749 w 4610311"/>
+                  <a:gd name="connsiteY7" fmla="*/ 2697949 h 2739055"/>
+                  <a:gd name="connsiteX8" fmla="*/ 4606572 w 4610311"/>
+                  <a:gd name="connsiteY8" fmla="*/ 2173293 h 2739055"/>
+                  <a:gd name="connsiteX9" fmla="*/ 4171857 w 4610311"/>
+                  <a:gd name="connsiteY9" fmla="*/ 599326 h 2739055"/>
+                  <a:gd name="connsiteX10" fmla="*/ 3407359 w 4610311"/>
+                  <a:gd name="connsiteY10" fmla="*/ 44690 h 2739055"/>
+                  <a:gd name="connsiteX11" fmla="*/ 2897693 w 4610311"/>
+                  <a:gd name="connsiteY11" fmla="*/ 59680 h 2739055"/>
+                  <a:gd name="connsiteX12" fmla="*/ 2687831 w 4610311"/>
+                  <a:gd name="connsiteY12" fmla="*/ 269542 h 2739055"/>
+                  <a:gd name="connsiteX13" fmla="*/ 2298087 w 4610311"/>
+                  <a:gd name="connsiteY13" fmla="*/ 329503 h 2739055"/>
+                  <a:gd name="connsiteX14" fmla="*/ 1848382 w 4610311"/>
+                  <a:gd name="connsiteY14" fmla="*/ 269542 h 2739055"/>
+                  <a:gd name="connsiteX15" fmla="*/ 1578559 w 4610311"/>
+                  <a:gd name="connsiteY15" fmla="*/ 29699 h 2739055"/>
+                  <a:gd name="connsiteX16" fmla="*/ 1008932 w 4610311"/>
+                  <a:gd name="connsiteY16" fmla="*/ 74670 h 2739055"/>
+                  <a:gd name="connsiteX17" fmla="*/ 514257 w 4610311"/>
+                  <a:gd name="connsiteY17" fmla="*/ 479405 h 2739055"/>
+                  <a:gd name="connsiteX0" fmla="*/ 484276 w 4610311"/>
+                  <a:gd name="connsiteY0" fmla="*/ 494394 h 2739055"/>
+                  <a:gd name="connsiteX1" fmla="*/ 4592 w 4610311"/>
+                  <a:gd name="connsiteY1" fmla="*/ 2248244 h 2739055"/>
+                  <a:gd name="connsiteX2" fmla="*/ 724119 w 4610311"/>
+                  <a:gd name="connsiteY2" fmla="*/ 2652978 h 2739055"/>
+                  <a:gd name="connsiteX3" fmla="*/ 1623530 w 4610311"/>
+                  <a:gd name="connsiteY3" fmla="*/ 1573687 h 2739055"/>
+                  <a:gd name="connsiteX4" fmla="*/ 2238126 w 4610311"/>
+                  <a:gd name="connsiteY4" fmla="*/ 1618656 h 2739055"/>
+                  <a:gd name="connsiteX5" fmla="*/ 2852723 w 4610311"/>
+                  <a:gd name="connsiteY5" fmla="*/ 1573687 h 2739055"/>
+                  <a:gd name="connsiteX6" fmla="*/ 3587241 w 4610311"/>
+                  <a:gd name="connsiteY6" fmla="*/ 2578028 h 2739055"/>
+                  <a:gd name="connsiteX7" fmla="*/ 4336749 w 4610311"/>
+                  <a:gd name="connsiteY7" fmla="*/ 2697949 h 2739055"/>
+                  <a:gd name="connsiteX8" fmla="*/ 4606572 w 4610311"/>
+                  <a:gd name="connsiteY8" fmla="*/ 2173293 h 2739055"/>
+                  <a:gd name="connsiteX9" fmla="*/ 4171857 w 4610311"/>
+                  <a:gd name="connsiteY9" fmla="*/ 599326 h 2739055"/>
+                  <a:gd name="connsiteX10" fmla="*/ 3407359 w 4610311"/>
+                  <a:gd name="connsiteY10" fmla="*/ 44690 h 2739055"/>
+                  <a:gd name="connsiteX11" fmla="*/ 2897693 w 4610311"/>
+                  <a:gd name="connsiteY11" fmla="*/ 59680 h 2739055"/>
+                  <a:gd name="connsiteX12" fmla="*/ 2687831 w 4610311"/>
+                  <a:gd name="connsiteY12" fmla="*/ 269542 h 2739055"/>
+                  <a:gd name="connsiteX13" fmla="*/ 2298087 w 4610311"/>
+                  <a:gd name="connsiteY13" fmla="*/ 329503 h 2739055"/>
+                  <a:gd name="connsiteX14" fmla="*/ 1848382 w 4610311"/>
+                  <a:gd name="connsiteY14" fmla="*/ 269542 h 2739055"/>
+                  <a:gd name="connsiteX15" fmla="*/ 1578559 w 4610311"/>
+                  <a:gd name="connsiteY15" fmla="*/ 29699 h 2739055"/>
+                  <a:gd name="connsiteX16" fmla="*/ 1008932 w 4610311"/>
+                  <a:gd name="connsiteY16" fmla="*/ 74670 h 2739055"/>
+                  <a:gd name="connsiteX17" fmla="*/ 454296 w 4610311"/>
+                  <a:gd name="connsiteY17" fmla="*/ 494395 h 2739055"/>
+                  <a:gd name="connsiteX0" fmla="*/ 484276 w 4610311"/>
+                  <a:gd name="connsiteY0" fmla="*/ 494394 h 2739055"/>
+                  <a:gd name="connsiteX1" fmla="*/ 4592 w 4610311"/>
+                  <a:gd name="connsiteY1" fmla="*/ 2248244 h 2739055"/>
+                  <a:gd name="connsiteX2" fmla="*/ 724119 w 4610311"/>
+                  <a:gd name="connsiteY2" fmla="*/ 2652978 h 2739055"/>
+                  <a:gd name="connsiteX3" fmla="*/ 1623530 w 4610311"/>
+                  <a:gd name="connsiteY3" fmla="*/ 1573687 h 2739055"/>
+                  <a:gd name="connsiteX4" fmla="*/ 2238126 w 4610311"/>
+                  <a:gd name="connsiteY4" fmla="*/ 1618656 h 2739055"/>
+                  <a:gd name="connsiteX5" fmla="*/ 2852723 w 4610311"/>
+                  <a:gd name="connsiteY5" fmla="*/ 1573687 h 2739055"/>
+                  <a:gd name="connsiteX6" fmla="*/ 3587241 w 4610311"/>
+                  <a:gd name="connsiteY6" fmla="*/ 2578028 h 2739055"/>
+                  <a:gd name="connsiteX7" fmla="*/ 4336749 w 4610311"/>
+                  <a:gd name="connsiteY7" fmla="*/ 2697949 h 2739055"/>
+                  <a:gd name="connsiteX8" fmla="*/ 4606572 w 4610311"/>
+                  <a:gd name="connsiteY8" fmla="*/ 2173293 h 2739055"/>
+                  <a:gd name="connsiteX9" fmla="*/ 4171857 w 4610311"/>
+                  <a:gd name="connsiteY9" fmla="*/ 599326 h 2739055"/>
+                  <a:gd name="connsiteX10" fmla="*/ 3407359 w 4610311"/>
+                  <a:gd name="connsiteY10" fmla="*/ 44690 h 2739055"/>
+                  <a:gd name="connsiteX11" fmla="*/ 2897693 w 4610311"/>
+                  <a:gd name="connsiteY11" fmla="*/ 59680 h 2739055"/>
+                  <a:gd name="connsiteX12" fmla="*/ 2687831 w 4610311"/>
+                  <a:gd name="connsiteY12" fmla="*/ 269542 h 2739055"/>
+                  <a:gd name="connsiteX13" fmla="*/ 2298087 w 4610311"/>
+                  <a:gd name="connsiteY13" fmla="*/ 329503 h 2739055"/>
+                  <a:gd name="connsiteX14" fmla="*/ 1848382 w 4610311"/>
+                  <a:gd name="connsiteY14" fmla="*/ 269542 h 2739055"/>
+                  <a:gd name="connsiteX15" fmla="*/ 1578559 w 4610311"/>
+                  <a:gd name="connsiteY15" fmla="*/ 29699 h 2739055"/>
+                  <a:gd name="connsiteX16" fmla="*/ 1008932 w 4610311"/>
+                  <a:gd name="connsiteY16" fmla="*/ 74670 h 2739055"/>
+                  <a:gd name="connsiteX17" fmla="*/ 484276 w 4610311"/>
+                  <a:gd name="connsiteY17" fmla="*/ 494395 h 2739055"/>
+                  <a:gd name="connsiteX0" fmla="*/ 484276 w 4610311"/>
+                  <a:gd name="connsiteY0" fmla="*/ 494394 h 2739055"/>
+                  <a:gd name="connsiteX1" fmla="*/ 4592 w 4610311"/>
+                  <a:gd name="connsiteY1" fmla="*/ 2248244 h 2739055"/>
+                  <a:gd name="connsiteX2" fmla="*/ 724119 w 4610311"/>
+                  <a:gd name="connsiteY2" fmla="*/ 2652978 h 2739055"/>
+                  <a:gd name="connsiteX3" fmla="*/ 1623530 w 4610311"/>
+                  <a:gd name="connsiteY3" fmla="*/ 1573687 h 2739055"/>
+                  <a:gd name="connsiteX4" fmla="*/ 2238126 w 4610311"/>
+                  <a:gd name="connsiteY4" fmla="*/ 1618656 h 2739055"/>
+                  <a:gd name="connsiteX5" fmla="*/ 2852723 w 4610311"/>
+                  <a:gd name="connsiteY5" fmla="*/ 1573687 h 2739055"/>
+                  <a:gd name="connsiteX6" fmla="*/ 3587241 w 4610311"/>
+                  <a:gd name="connsiteY6" fmla="*/ 2578028 h 2739055"/>
+                  <a:gd name="connsiteX7" fmla="*/ 4336749 w 4610311"/>
+                  <a:gd name="connsiteY7" fmla="*/ 2697949 h 2739055"/>
+                  <a:gd name="connsiteX8" fmla="*/ 4606572 w 4610311"/>
+                  <a:gd name="connsiteY8" fmla="*/ 2173293 h 2739055"/>
+                  <a:gd name="connsiteX9" fmla="*/ 4171857 w 4610311"/>
+                  <a:gd name="connsiteY9" fmla="*/ 599326 h 2739055"/>
+                  <a:gd name="connsiteX10" fmla="*/ 3407359 w 4610311"/>
+                  <a:gd name="connsiteY10" fmla="*/ 44690 h 2739055"/>
+                  <a:gd name="connsiteX11" fmla="*/ 2897693 w 4610311"/>
+                  <a:gd name="connsiteY11" fmla="*/ 59680 h 2739055"/>
+                  <a:gd name="connsiteX12" fmla="*/ 2687831 w 4610311"/>
+                  <a:gd name="connsiteY12" fmla="*/ 269542 h 2739055"/>
+                  <a:gd name="connsiteX13" fmla="*/ 2298087 w 4610311"/>
+                  <a:gd name="connsiteY13" fmla="*/ 329503 h 2739055"/>
+                  <a:gd name="connsiteX14" fmla="*/ 1848382 w 4610311"/>
+                  <a:gd name="connsiteY14" fmla="*/ 269542 h 2739055"/>
+                  <a:gd name="connsiteX15" fmla="*/ 1578559 w 4610311"/>
+                  <a:gd name="connsiteY15" fmla="*/ 29699 h 2739055"/>
+                  <a:gd name="connsiteX16" fmla="*/ 918991 w 4610311"/>
+                  <a:gd name="connsiteY16" fmla="*/ 59680 h 2739055"/>
+                  <a:gd name="connsiteX17" fmla="*/ 484276 w 4610311"/>
+                  <a:gd name="connsiteY17" fmla="*/ 494395 h 2739055"/>
+                </a:gdLst>
+                <a:ahLst/>
+                <a:cxnLst>
+                  <a:cxn ang="0">
+                    <a:pos x="connsiteX0" y="connsiteY0"/>
+                  </a:cxn>
+                  <a:cxn ang="0">
+                    <a:pos x="connsiteX1" y="connsiteY1"/>
+                  </a:cxn>
+                  <a:cxn ang="0">
+                    <a:pos x="connsiteX2" y="connsiteY2"/>
+                  </a:cxn>
+                  <a:cxn ang="0">
+                    <a:pos x="connsiteX3" y="connsiteY3"/>
+                  </a:cxn>
+                  <a:cxn ang="0">
+                    <a:pos x="connsiteX4" y="connsiteY4"/>
+                  </a:cxn>
+                  <a:cxn ang="0">
+                    <a:pos x="connsiteX5" y="connsiteY5"/>
+                  </a:cxn>
+                  <a:cxn ang="0">
+                    <a:pos x="connsiteX6" y="connsiteY6"/>
+                  </a:cxn>
+                  <a:cxn ang="0">
+                    <a:pos x="connsiteX7" y="connsiteY7"/>
+                  </a:cxn>
+                  <a:cxn ang="0">
+                    <a:pos x="connsiteX8" y="connsiteY8"/>
+                  </a:cxn>
+                  <a:cxn ang="0">
+                    <a:pos x="connsiteX9" y="connsiteY9"/>
+                  </a:cxn>
+                  <a:cxn ang="0">
+                    <a:pos x="connsiteX10" y="connsiteY10"/>
+                  </a:cxn>
+                  <a:cxn ang="0">
+                    <a:pos x="connsiteX11" y="connsiteY11"/>
+                  </a:cxn>
+                  <a:cxn ang="0">
+                    <a:pos x="connsiteX12" y="connsiteY12"/>
+                  </a:cxn>
+                  <a:cxn ang="0">
+                    <a:pos x="connsiteX13" y="connsiteY13"/>
+                  </a:cxn>
+                  <a:cxn ang="0">
+                    <a:pos x="connsiteX14" y="connsiteY14"/>
+                  </a:cxn>
+                  <a:cxn ang="0">
+                    <a:pos x="connsiteX15" y="connsiteY15"/>
+                  </a:cxn>
+                  <a:cxn ang="0">
+                    <a:pos x="connsiteX16" y="connsiteY16"/>
+                  </a:cxn>
+                  <a:cxn ang="0">
+                    <a:pos x="connsiteX17" y="connsiteY17"/>
+                  </a:cxn>
+                </a:cxnLst>
+                <a:rect l="l" t="t" r="r" b="b"/>
+                <a:pathLst>
+                  <a:path w="4610311" h="2739055">
+                    <a:moveTo>
+                      <a:pt x="484276" y="494394"/>
+                    </a:moveTo>
+                    <a:cubicBezTo>
+                      <a:pt x="190719" y="1167702"/>
+                      <a:pt x="-35382" y="1888480"/>
+                      <a:pt x="4592" y="2248244"/>
+                    </a:cubicBezTo>
+                    <a:cubicBezTo>
+                      <a:pt x="44566" y="2608008"/>
+                      <a:pt x="454296" y="2765404"/>
+                      <a:pt x="724119" y="2652978"/>
+                    </a:cubicBezTo>
+                    <a:cubicBezTo>
+                      <a:pt x="993942" y="2540552"/>
+                      <a:pt x="1371196" y="1746074"/>
+                      <a:pt x="1623530" y="1573687"/>
+                    </a:cubicBezTo>
+                    <a:cubicBezTo>
+                      <a:pt x="1875865" y="1401300"/>
+                      <a:pt x="2033261" y="1618656"/>
+                      <a:pt x="2238126" y="1618656"/>
+                    </a:cubicBezTo>
+                    <a:cubicBezTo>
+                      <a:pt x="2442991" y="1618656"/>
+                      <a:pt x="2627870" y="1413792"/>
+                      <a:pt x="2852723" y="1573687"/>
+                    </a:cubicBezTo>
+                    <a:cubicBezTo>
+                      <a:pt x="3077576" y="1733582"/>
+                      <a:pt x="3339903" y="2390651"/>
+                      <a:pt x="3587241" y="2578028"/>
+                    </a:cubicBezTo>
+                    <a:cubicBezTo>
+                      <a:pt x="3834579" y="2765405"/>
+                      <a:pt x="4166861" y="2765405"/>
+                      <a:pt x="4336749" y="2697949"/>
+                    </a:cubicBezTo>
+                    <a:cubicBezTo>
+                      <a:pt x="4506638" y="2630493"/>
+                      <a:pt x="4634054" y="2523064"/>
+                      <a:pt x="4606572" y="2173293"/>
+                    </a:cubicBezTo>
+                    <a:cubicBezTo>
+                      <a:pt x="4579090" y="1823523"/>
+                      <a:pt x="4371726" y="954093"/>
+                      <a:pt x="4171857" y="599326"/>
+                    </a:cubicBezTo>
+                    <a:cubicBezTo>
+                      <a:pt x="3971988" y="244559"/>
+                      <a:pt x="3619720" y="134631"/>
+                      <a:pt x="3407359" y="44690"/>
+                    </a:cubicBezTo>
+                    <a:cubicBezTo>
+                      <a:pt x="3194998" y="-45251"/>
+                      <a:pt x="3017614" y="22205"/>
+                      <a:pt x="2897693" y="59680"/>
+                    </a:cubicBezTo>
+                    <a:cubicBezTo>
+                      <a:pt x="2777772" y="97155"/>
+                      <a:pt x="2787765" y="224572"/>
+                      <a:pt x="2687831" y="269542"/>
+                    </a:cubicBezTo>
+                    <a:cubicBezTo>
+                      <a:pt x="2587897" y="314513"/>
+                      <a:pt x="2437995" y="329503"/>
+                      <a:pt x="2298087" y="329503"/>
+                    </a:cubicBezTo>
+                    <a:cubicBezTo>
+                      <a:pt x="2158179" y="329503"/>
+                      <a:pt x="1968303" y="319509"/>
+                      <a:pt x="1848382" y="269542"/>
+                    </a:cubicBezTo>
+                    <a:cubicBezTo>
+                      <a:pt x="1728461" y="219575"/>
+                      <a:pt x="1733457" y="64676"/>
+                      <a:pt x="1578559" y="29699"/>
+                    </a:cubicBezTo>
+                    <a:cubicBezTo>
+                      <a:pt x="1423661" y="-5278"/>
+                      <a:pt x="1098873" y="-5277"/>
+                      <a:pt x="918991" y="59680"/>
+                    </a:cubicBezTo>
+                    <a:cubicBezTo>
+                      <a:pt x="739109" y="124637"/>
+                      <a:pt x="694138" y="242060"/>
+                      <a:pt x="484276" y="494395"/>
+                    </a:cubicBezTo>
+                  </a:path>
+                </a:pathLst>
+              </a:custGeom>
+              <a:noFill/>
+              <a:ln w="76200"/>
+            </p:spPr>
+            <p:style>
+              <a:lnRef idx="2">
+                <a:schemeClr val="accent1">
+                  <a:shade val="50000"/>
+                </a:schemeClr>
+              </a:lnRef>
+              <a:fillRef idx="1">
+                <a:schemeClr val="accent1"/>
+              </a:fillRef>
+              <a:effectRef idx="0">
+                <a:schemeClr val="accent1"/>
+              </a:effectRef>
+              <a:fontRef idx="minor">
+                <a:schemeClr val="lt1"/>
+              </a:fontRef>
+            </p:style>
+            <p:txBody>
+              <a:bodyPr rtlCol="0" anchor="ctr"/>
+              <a:lstStyle/>
+              <a:p>
+                <a:pPr algn="ctr"/>
+                <a:endParaRPr lang="es-ES"/>
+              </a:p>
+            </p:txBody>
+          </p:sp>
+          <p:sp>
+            <p:nvSpPr>
+              <p:cNvPr id="6" name="Elipse 5">
+                <a:extLst>
+                  <a:ext uri="{FF2B5EF4-FFF2-40B4-BE49-F238E27FC236}">
+                    <a16:creationId xmlns:a16="http://schemas.microsoft.com/office/drawing/2014/main" id="{8784B3E6-DEDA-412B-ADD6-46BC035DAAA3}"/>
+                  </a:ext>
+                </a:extLst>
+              </p:cNvPr>
+              <p:cNvSpPr/>
+              <p:nvPr/>
+            </p:nvSpPr>
+            <p:spPr>
+              <a:xfrm>
+                <a:off x="5552186" y="2618979"/>
+                <a:ext cx="614597" cy="629587"/>
+              </a:xfrm>
+              <a:prstGeom prst="ellipse">
+                <a:avLst/>
+              </a:prstGeom>
+              <a:solidFill>
+                <a:schemeClr val="tx1"/>
+              </a:solidFill>
+            </p:spPr>
+            <p:style>
+              <a:lnRef idx="2">
+                <a:schemeClr val="accent1">
+                  <a:shade val="50000"/>
+                </a:schemeClr>
+              </a:lnRef>
+              <a:fillRef idx="1">
+                <a:schemeClr val="accent1"/>
+              </a:fillRef>
+              <a:effectRef idx="0">
+                <a:schemeClr val="accent1"/>
+              </a:effectRef>
+              <a:fontRef idx="minor">
+                <a:schemeClr val="lt1"/>
+              </a:fontRef>
+            </p:style>
+            <p:txBody>
+              <a:bodyPr rtlCol="0" anchor="ctr"/>
+              <a:lstStyle/>
+              <a:p>
+                <a:pPr algn="ctr"/>
+                <a:endParaRPr lang="es-ES"/>
+              </a:p>
+            </p:txBody>
+          </p:sp>
+          <p:sp>
+            <p:nvSpPr>
+              <p:cNvPr id="7" name="Elipse 6">
+                <a:extLst>
+                  <a:ext uri="{FF2B5EF4-FFF2-40B4-BE49-F238E27FC236}">
+                    <a16:creationId xmlns:a16="http://schemas.microsoft.com/office/drawing/2014/main" id="{AF0386A8-4039-443C-81F1-B4E4E07017EF}"/>
+                  </a:ext>
+                </a:extLst>
+              </p:cNvPr>
+              <p:cNvSpPr/>
+              <p:nvPr/>
+            </p:nvSpPr>
+            <p:spPr>
+              <a:xfrm>
+                <a:off x="4600097" y="2618979"/>
+                <a:ext cx="614597" cy="629587"/>
+              </a:xfrm>
+              <a:prstGeom prst="ellipse">
+                <a:avLst/>
+              </a:prstGeom>
+              <a:solidFill>
+                <a:schemeClr val="tx1"/>
+              </a:solidFill>
+            </p:spPr>
+            <p:style>
+              <a:lnRef idx="2">
+                <a:schemeClr val="accent1">
+                  <a:shade val="50000"/>
+                </a:schemeClr>
+              </a:lnRef>
+              <a:fillRef idx="1">
+                <a:schemeClr val="accent1"/>
+              </a:fillRef>
+              <a:effectRef idx="0">
+                <a:schemeClr val="accent1"/>
+              </a:effectRef>
+              <a:fontRef idx="minor">
+                <a:schemeClr val="lt1"/>
+              </a:fontRef>
+            </p:style>
+            <p:txBody>
+              <a:bodyPr rtlCol="0" anchor="ctr"/>
+              <a:lstStyle/>
+              <a:p>
+                <a:pPr algn="ctr"/>
+                <a:endParaRPr lang="es-ES"/>
+              </a:p>
+            </p:txBody>
+          </p:sp>
+          <p:grpSp>
+            <p:nvGrpSpPr>
+              <p:cNvPr id="16" name="Grupo 15">
+                <a:extLst>
+                  <a:ext uri="{FF2B5EF4-FFF2-40B4-BE49-F238E27FC236}">
+                    <a16:creationId xmlns:a16="http://schemas.microsoft.com/office/drawing/2014/main" id="{5BB8B1E5-327F-4B04-849D-024D92DBF3BA}"/>
+                  </a:ext>
+                </a:extLst>
+              </p:cNvPr>
+              <p:cNvGrpSpPr/>
+              <p:nvPr/>
+            </p:nvGrpSpPr>
+            <p:grpSpPr>
+              <a:xfrm>
+                <a:off x="6280878" y="2010831"/>
+                <a:ext cx="956873" cy="1109243"/>
+                <a:chOff x="6280878" y="2010831"/>
+                <a:chExt cx="956873" cy="1109243"/>
+              </a:xfrm>
+            </p:grpSpPr>
+            <p:sp>
+              <p:nvSpPr>
+                <p:cNvPr id="8" name="Elipse 7">
+                  <a:extLst>
+                    <a:ext uri="{FF2B5EF4-FFF2-40B4-BE49-F238E27FC236}">
+                      <a16:creationId xmlns:a16="http://schemas.microsoft.com/office/drawing/2014/main" id="{82169787-CE3B-4642-AD03-3DCED65B7011}"/>
+                    </a:ext>
+                  </a:extLst>
+                </p:cNvPr>
+                <p:cNvSpPr/>
+                <p:nvPr/>
+              </p:nvSpPr>
+              <p:spPr>
+                <a:xfrm>
+                  <a:off x="6583181" y="2010831"/>
+                  <a:ext cx="327285" cy="372605"/>
+                </a:xfrm>
+                <a:prstGeom prst="ellipse">
+                  <a:avLst/>
+                </a:prstGeom>
+                <a:solidFill>
+                  <a:srgbClr val="FFC000"/>
+                </a:solidFill>
+              </p:spPr>
+              <p:style>
+                <a:lnRef idx="2">
+                  <a:schemeClr val="accent1">
+                    <a:shade val="50000"/>
+                  </a:schemeClr>
+                </a:lnRef>
+                <a:fillRef idx="1">
+                  <a:schemeClr val="accent1"/>
+                </a:fillRef>
+                <a:effectRef idx="0">
+                  <a:schemeClr val="accent1"/>
+                </a:effectRef>
+                <a:fontRef idx="minor">
+                  <a:schemeClr val="lt1"/>
+                </a:fontRef>
+              </p:style>
+              <p:txBody>
+                <a:bodyPr rtlCol="0" anchor="ctr"/>
+                <a:lstStyle/>
+                <a:p>
+                  <a:pPr algn="ctr"/>
+                  <a:endParaRPr lang="es-ES"/>
+                </a:p>
+              </p:txBody>
+            </p:sp>
+            <p:sp>
+              <p:nvSpPr>
+                <p:cNvPr id="9" name="Elipse 8">
+                  <a:extLst>
+                    <a:ext uri="{FF2B5EF4-FFF2-40B4-BE49-F238E27FC236}">
+                      <a16:creationId xmlns:a16="http://schemas.microsoft.com/office/drawing/2014/main" id="{17B8C2C2-CE48-4EAA-B495-0F7E543ABD42}"/>
+                    </a:ext>
+                  </a:extLst>
+                </p:cNvPr>
+                <p:cNvSpPr/>
+                <p:nvPr/>
+              </p:nvSpPr>
+              <p:spPr>
+                <a:xfrm>
+                  <a:off x="6280878" y="2392005"/>
+                  <a:ext cx="327285" cy="372605"/>
+                </a:xfrm>
+                <a:prstGeom prst="ellipse">
+                  <a:avLst/>
+                </a:prstGeom>
+                <a:solidFill>
+                  <a:srgbClr val="0070C0"/>
+                </a:solidFill>
+              </p:spPr>
+              <p:style>
+                <a:lnRef idx="2">
+                  <a:schemeClr val="accent1">
+                    <a:shade val="50000"/>
+                  </a:schemeClr>
+                </a:lnRef>
+                <a:fillRef idx="1">
+                  <a:schemeClr val="accent1"/>
+                </a:fillRef>
+                <a:effectRef idx="0">
+                  <a:schemeClr val="accent1"/>
+                </a:effectRef>
+                <a:fontRef idx="minor">
+                  <a:schemeClr val="lt1"/>
+                </a:fontRef>
+              </p:style>
+              <p:txBody>
+                <a:bodyPr rtlCol="0" anchor="ctr"/>
+                <a:lstStyle/>
+                <a:p>
+                  <a:pPr algn="ctr"/>
+                  <a:endParaRPr lang="es-ES"/>
+                </a:p>
+              </p:txBody>
+            </p:sp>
+            <p:sp>
+              <p:nvSpPr>
+                <p:cNvPr id="10" name="Elipse 9">
+                  <a:extLst>
+                    <a:ext uri="{FF2B5EF4-FFF2-40B4-BE49-F238E27FC236}">
+                      <a16:creationId xmlns:a16="http://schemas.microsoft.com/office/drawing/2014/main" id="{1C443A70-3A33-4658-993C-A8F392457589}"/>
+                    </a:ext>
+                  </a:extLst>
+                </p:cNvPr>
+                <p:cNvSpPr/>
+                <p:nvPr/>
+              </p:nvSpPr>
+              <p:spPr>
+                <a:xfrm>
+                  <a:off x="6910466" y="2383436"/>
+                  <a:ext cx="327285" cy="372605"/>
+                </a:xfrm>
+                <a:prstGeom prst="ellipse">
+                  <a:avLst/>
+                </a:prstGeom>
+                <a:solidFill>
+                  <a:srgbClr val="FF0000"/>
+                </a:solidFill>
+              </p:spPr>
+              <p:style>
+                <a:lnRef idx="2">
+                  <a:schemeClr val="accent1">
+                    <a:shade val="50000"/>
+                  </a:schemeClr>
+                </a:lnRef>
+                <a:fillRef idx="1">
+                  <a:schemeClr val="accent1"/>
+                </a:fillRef>
+                <a:effectRef idx="0">
+                  <a:schemeClr val="accent1"/>
+                </a:effectRef>
+                <a:fontRef idx="minor">
+                  <a:schemeClr val="lt1"/>
+                </a:fontRef>
+              </p:style>
+              <p:txBody>
+                <a:bodyPr rtlCol="0" anchor="ctr"/>
+                <a:lstStyle/>
+                <a:p>
+                  <a:pPr algn="ctr"/>
+                  <a:endParaRPr lang="es-ES"/>
+                </a:p>
+              </p:txBody>
+            </p:sp>
+            <p:sp>
+              <p:nvSpPr>
+                <p:cNvPr id="11" name="Elipse 10">
+                  <a:extLst>
+                    <a:ext uri="{FF2B5EF4-FFF2-40B4-BE49-F238E27FC236}">
+                      <a16:creationId xmlns:a16="http://schemas.microsoft.com/office/drawing/2014/main" id="{C8D825C9-6962-4325-A599-D44C3111169B}"/>
+                    </a:ext>
+                  </a:extLst>
+                </p:cNvPr>
+                <p:cNvSpPr/>
+                <p:nvPr/>
+              </p:nvSpPr>
+              <p:spPr>
+                <a:xfrm>
+                  <a:off x="6608163" y="2747469"/>
+                  <a:ext cx="327285" cy="372605"/>
+                </a:xfrm>
+                <a:prstGeom prst="ellipse">
+                  <a:avLst/>
+                </a:prstGeom>
+                <a:solidFill>
+                  <a:srgbClr val="00B050"/>
+                </a:solidFill>
+              </p:spPr>
+              <p:style>
+                <a:lnRef idx="2">
+                  <a:schemeClr val="accent1">
+                    <a:shade val="50000"/>
+                  </a:schemeClr>
+                </a:lnRef>
+                <a:fillRef idx="1">
+                  <a:schemeClr val="accent1"/>
+                </a:fillRef>
+                <a:effectRef idx="0">
+                  <a:schemeClr val="accent1"/>
+                </a:effectRef>
+                <a:fontRef idx="minor">
+                  <a:schemeClr val="lt1"/>
+                </a:fontRef>
+              </p:style>
+              <p:txBody>
+                <a:bodyPr rtlCol="0" anchor="ctr"/>
+                <a:lstStyle/>
+                <a:p>
+                  <a:pPr algn="ctr"/>
+                  <a:endParaRPr lang="es-ES"/>
+                </a:p>
+              </p:txBody>
+            </p:sp>
+          </p:grpSp>
+          <p:grpSp>
+            <p:nvGrpSpPr>
+              <p:cNvPr id="15" name="Grupo 14">
+                <a:extLst>
+                  <a:ext uri="{FF2B5EF4-FFF2-40B4-BE49-F238E27FC236}">
+                    <a16:creationId xmlns:a16="http://schemas.microsoft.com/office/drawing/2014/main" id="{74BB51A0-FD30-4778-8D92-B4042DDA24FF}"/>
+                  </a:ext>
+                </a:extLst>
+              </p:cNvPr>
+              <p:cNvGrpSpPr/>
+              <p:nvPr/>
+            </p:nvGrpSpPr>
+            <p:grpSpPr>
+              <a:xfrm>
+                <a:off x="3705380" y="2020622"/>
+                <a:ext cx="896909" cy="896909"/>
+                <a:chOff x="3705380" y="2020622"/>
+                <a:chExt cx="896909" cy="896909"/>
+              </a:xfrm>
+            </p:grpSpPr>
+            <p:sp>
+              <p:nvSpPr>
+                <p:cNvPr id="12" name="Rectángulo 11">
+                  <a:extLst>
+                    <a:ext uri="{FF2B5EF4-FFF2-40B4-BE49-F238E27FC236}">
+                      <a16:creationId xmlns:a16="http://schemas.microsoft.com/office/drawing/2014/main" id="{9681FB8A-0DE0-4458-B401-7AEDE3A1AC88}"/>
+                    </a:ext>
+                  </a:extLst>
+                </p:cNvPr>
+                <p:cNvSpPr/>
+                <p:nvPr/>
+              </p:nvSpPr>
+              <p:spPr>
+                <a:xfrm>
+                  <a:off x="3705380" y="2319176"/>
+                  <a:ext cx="896909" cy="299803"/>
+                </a:xfrm>
+                <a:prstGeom prst="rect">
+                  <a:avLst/>
+                </a:prstGeom>
+                <a:solidFill>
+                  <a:schemeClr val="tx1"/>
+                </a:solidFill>
+                <a:ln>
+                  <a:solidFill>
+                    <a:schemeClr val="tx1"/>
+                  </a:solidFill>
+                </a:ln>
+              </p:spPr>
+              <p:style>
+                <a:lnRef idx="2">
+                  <a:schemeClr val="accent1">
+                    <a:shade val="50000"/>
+                  </a:schemeClr>
+                </a:lnRef>
+                <a:fillRef idx="1">
+                  <a:schemeClr val="accent1"/>
+                </a:fillRef>
+                <a:effectRef idx="0">
+                  <a:schemeClr val="accent1"/>
+                </a:effectRef>
+                <a:fontRef idx="minor">
+                  <a:schemeClr val="lt1"/>
+                </a:fontRef>
+              </p:style>
+              <p:txBody>
+                <a:bodyPr rtlCol="0" anchor="ctr"/>
+                <a:lstStyle/>
+                <a:p>
+                  <a:pPr algn="ctr"/>
+                  <a:endParaRPr lang="es-ES"/>
+                </a:p>
+              </p:txBody>
+            </p:sp>
+            <p:sp>
+              <p:nvSpPr>
+                <p:cNvPr id="14" name="Rectángulo 13">
+                  <a:extLst>
+                    <a:ext uri="{FF2B5EF4-FFF2-40B4-BE49-F238E27FC236}">
+                      <a16:creationId xmlns:a16="http://schemas.microsoft.com/office/drawing/2014/main" id="{72BDF444-FD40-4965-8ED1-8F32F10AF28D}"/>
+                    </a:ext>
+                  </a:extLst>
+                </p:cNvPr>
+                <p:cNvSpPr/>
+                <p:nvPr/>
+              </p:nvSpPr>
+              <p:spPr>
+                <a:xfrm rot="5400000">
+                  <a:off x="3705379" y="2319175"/>
+                  <a:ext cx="896909" cy="299803"/>
+                </a:xfrm>
+                <a:prstGeom prst="rect">
+                  <a:avLst/>
+                </a:prstGeom>
+                <a:solidFill>
+                  <a:schemeClr val="tx1"/>
+                </a:solidFill>
+                <a:ln>
+                  <a:solidFill>
+                    <a:schemeClr val="tx1"/>
+                  </a:solidFill>
+                </a:ln>
+              </p:spPr>
+              <p:style>
+                <a:lnRef idx="2">
+                  <a:schemeClr val="accent1">
+                    <a:shade val="50000"/>
+                  </a:schemeClr>
+                </a:lnRef>
+                <a:fillRef idx="1">
+                  <a:schemeClr val="accent1"/>
+                </a:fillRef>
+                <a:effectRef idx="0">
+                  <a:schemeClr val="accent1"/>
+                </a:effectRef>
+                <a:fontRef idx="minor">
+                  <a:schemeClr val="lt1"/>
+                </a:fontRef>
+              </p:style>
+              <p:txBody>
+                <a:bodyPr rtlCol="0" anchor="ctr"/>
+                <a:lstStyle/>
+                <a:p>
+                  <a:pPr algn="ctr"/>
+                  <a:endParaRPr lang="es-ES"/>
+                </a:p>
+              </p:txBody>
+            </p:sp>
+          </p:grpSp>
+        </p:grpSp>
+        <p:sp>
+          <p:nvSpPr>
+            <p:cNvPr id="19" name="CuadroTexto 18">
+              <a:extLst>
+                <a:ext uri="{FF2B5EF4-FFF2-40B4-BE49-F238E27FC236}">
+                  <a16:creationId xmlns:a16="http://schemas.microsoft.com/office/drawing/2014/main" id="{FE7768AD-A703-4F58-96B0-D25CF3DBF87E}"/>
+                </a:ext>
+              </a:extLst>
+            </p:cNvPr>
+            <p:cNvSpPr txBox="1"/>
+            <p:nvPr/>
+          </p:nvSpPr>
+          <p:spPr>
+            <a:xfrm>
+              <a:off x="4962161" y="1404671"/>
+              <a:ext cx="1663682" cy="400110"/>
+            </a:xfrm>
+            <a:prstGeom prst="rect">
+              <a:avLst/>
+            </a:prstGeom>
+            <a:noFill/>
+          </p:spPr>
+          <p:txBody>
+            <a:bodyPr wrap="square" rtlCol="0">
+              <a:spAutoFit/>
+            </a:bodyPr>
+            <a:lstStyle/>
+            <a:p>
+              <a:pPr algn="ctr"/>
+              <a:r>
+                <a:rPr lang="es-ES" sz="2000" dirty="0" err="1"/>
+                <a:t>Exit</a:t>
+              </a:r>
+              <a:r>
+                <a:rPr lang="es-ES" sz="2000" dirty="0"/>
+                <a:t> </a:t>
+              </a:r>
+              <a:r>
+                <a:rPr lang="es-ES" sz="2000" dirty="0" err="1"/>
+                <a:t>the</a:t>
+              </a:r>
+              <a:r>
+                <a:rPr lang="es-ES" sz="2000" dirty="0"/>
+                <a:t> </a:t>
+              </a:r>
+              <a:r>
+                <a:rPr lang="es-ES" sz="2000" dirty="0" err="1"/>
+                <a:t>game</a:t>
+              </a:r>
+              <a:endParaRPr lang="es-ES" sz="2000" dirty="0"/>
+            </a:p>
+          </p:txBody>
+        </p:sp>
+        <p:sp>
+          <p:nvSpPr>
+            <p:cNvPr id="23" name="CuadroTexto 22">
+              <a:extLst>
+                <a:ext uri="{FF2B5EF4-FFF2-40B4-BE49-F238E27FC236}">
+                  <a16:creationId xmlns:a16="http://schemas.microsoft.com/office/drawing/2014/main" id="{B417D5AA-EFFD-43AE-BE4B-564A9B8CF1F7}"/>
+                </a:ext>
+              </a:extLst>
+            </p:cNvPr>
+            <p:cNvSpPr txBox="1"/>
+            <p:nvPr/>
+          </p:nvSpPr>
+          <p:spPr>
+            <a:xfrm>
+              <a:off x="7307507" y="1404671"/>
+              <a:ext cx="2125462" cy="400110"/>
+            </a:xfrm>
+            <a:prstGeom prst="rect">
+              <a:avLst/>
+            </a:prstGeom>
+            <a:noFill/>
+          </p:spPr>
+          <p:txBody>
+            <a:bodyPr wrap="square" rtlCol="0">
+              <a:spAutoFit/>
+            </a:bodyPr>
+            <a:lstStyle/>
+            <a:p>
+              <a:pPr algn="ctr"/>
+              <a:r>
+                <a:rPr lang="es-ES" sz="2000" dirty="0" err="1"/>
+                <a:t>Start</a:t>
+              </a:r>
+              <a:r>
+                <a:rPr lang="es-ES" sz="2000" dirty="0"/>
+                <a:t> a new </a:t>
+              </a:r>
+              <a:r>
+                <a:rPr lang="es-ES" sz="2000" dirty="0" err="1"/>
+                <a:t>race</a:t>
+              </a:r>
+              <a:endParaRPr lang="es-ES" sz="2000" dirty="0"/>
+            </a:p>
+          </p:txBody>
+        </p:sp>
+        <p:sp>
+          <p:nvSpPr>
+            <p:cNvPr id="34" name="Flecha: a la derecha 33">
+              <a:extLst>
+                <a:ext uri="{FF2B5EF4-FFF2-40B4-BE49-F238E27FC236}">
+                  <a16:creationId xmlns:a16="http://schemas.microsoft.com/office/drawing/2014/main" id="{284126AD-B432-401C-9063-4C1F21180174}"/>
+                </a:ext>
+              </a:extLst>
+            </p:cNvPr>
+            <p:cNvSpPr/>
+            <p:nvPr/>
+          </p:nvSpPr>
+          <p:spPr>
+            <a:xfrm rot="7256988">
+              <a:off x="7263069" y="2333819"/>
+              <a:ext cx="1348050" cy="387152"/>
+            </a:xfrm>
+            <a:prstGeom prst="rightArrow">
+              <a:avLst/>
+            </a:prstGeom>
+            <a:solidFill>
+              <a:srgbClr val="FF0000"/>
+            </a:solidFill>
+          </p:spPr>
+          <p:style>
+            <a:lnRef idx="2">
+              <a:schemeClr val="accent1">
+                <a:shade val="50000"/>
+              </a:schemeClr>
+            </a:lnRef>
+            <a:fillRef idx="1">
+              <a:schemeClr val="accent1"/>
+            </a:fillRef>
+            <a:effectRef idx="0">
+              <a:schemeClr val="accent1"/>
+            </a:effectRef>
+            <a:fontRef idx="minor">
+              <a:schemeClr val="lt1"/>
+            </a:fontRef>
+          </p:style>
+          <p:txBody>
+            <a:bodyPr rtlCol="0" anchor="ctr"/>
+            <a:lstStyle/>
+            <a:p>
+              <a:pPr algn="ctr"/>
+              <a:endParaRPr lang="es-ES"/>
+            </a:p>
+          </p:txBody>
+        </p:sp>
+        <p:sp>
+          <p:nvSpPr>
+            <p:cNvPr id="22" name="Flecha: a la derecha 21">
+              <a:extLst>
+                <a:ext uri="{FF2B5EF4-FFF2-40B4-BE49-F238E27FC236}">
+                  <a16:creationId xmlns:a16="http://schemas.microsoft.com/office/drawing/2014/main" id="{61BFD78D-F697-4A75-882D-8967A5199DBC}"/>
+                </a:ext>
+              </a:extLst>
+            </p:cNvPr>
+            <p:cNvSpPr/>
+            <p:nvPr/>
+          </p:nvSpPr>
+          <p:spPr>
+            <a:xfrm rot="3260915">
+              <a:off x="5617384" y="2316734"/>
+              <a:ext cx="1348050" cy="387152"/>
+            </a:xfrm>
+            <a:prstGeom prst="rightArrow">
+              <a:avLst/>
+            </a:prstGeom>
+            <a:solidFill>
+              <a:srgbClr val="0070C0"/>
+            </a:solidFill>
+          </p:spPr>
+          <p:style>
+            <a:lnRef idx="2">
+              <a:schemeClr val="accent1">
+                <a:shade val="50000"/>
+              </a:schemeClr>
+            </a:lnRef>
+            <a:fillRef idx="1">
+              <a:schemeClr val="accent1"/>
+            </a:fillRef>
+            <a:effectRef idx="0">
+              <a:schemeClr val="accent1"/>
+            </a:effectRef>
+            <a:fontRef idx="minor">
+              <a:schemeClr val="lt1"/>
+            </a:fontRef>
+          </p:style>
+          <p:txBody>
+            <a:bodyPr rtlCol="0" anchor="ctr"/>
+            <a:lstStyle/>
+            <a:p>
+              <a:pPr algn="ctr"/>
+              <a:endParaRPr lang="es-ES"/>
+            </a:p>
+          </p:txBody>
+        </p:sp>
+      </p:grpSp>
+      <p:sp>
+        <p:nvSpPr>
+          <p:cNvPr id="25" name="Rectángulo 24">
+            <a:extLst>
+              <a:ext uri="{FF2B5EF4-FFF2-40B4-BE49-F238E27FC236}">
+                <a16:creationId xmlns:a16="http://schemas.microsoft.com/office/drawing/2014/main" id="{BDA789DD-0A96-4489-BECF-ED17196B3B20}"/>
+              </a:ext>
+            </a:extLst>
+          </p:cNvPr>
+          <p:cNvSpPr/>
+          <p:nvPr/>
+        </p:nvSpPr>
+        <p:spPr>
+          <a:xfrm>
+            <a:off x="3053140" y="147456"/>
+            <a:ext cx="6189323" cy="2215991"/>
+          </a:xfrm>
+          <a:prstGeom prst="rect">
+            <a:avLst/>
+          </a:prstGeom>
+          <a:noFill/>
+        </p:spPr>
+        <p:txBody>
+          <a:bodyPr wrap="none" lIns="91440" tIns="45720" rIns="91440" bIns="45720">
+            <a:spAutoFit/>
+          </a:bodyPr>
+          <a:lstStyle/>
+          <a:p>
+            <a:pPr algn="ctr"/>
+            <a:r>
+              <a:rPr lang="es-ES" sz="13800" b="0" cap="none" spc="0" dirty="0" err="1">
+                <a:ln w="0"/>
+                <a:gradFill>
+                  <a:gsLst>
+                    <a:gs pos="0">
+                      <a:schemeClr val="accent5">
+                        <a:lumMod val="50000"/>
+                      </a:schemeClr>
+                    </a:gs>
+                    <a:gs pos="50000">
+                      <a:schemeClr val="accent5"/>
+                    </a:gs>
+                    <a:gs pos="100000">
+                      <a:schemeClr val="accent5">
+                        <a:lumMod val="60000"/>
+                        <a:lumOff val="40000"/>
+                      </a:schemeClr>
+                    </a:gs>
+                  </a:gsLst>
+                  <a:lin ang="5400000"/>
+                </a:gradFill>
+                <a:effectLst>
+                  <a:reflection blurRad="6350" stA="53000" endA="300" endPos="35500" dir="5400000" sy="-90000" algn="bl" rotWithShape="0"/>
+                </a:effectLst>
+              </a:rPr>
+              <a:t>TopRace</a:t>
+            </a:r>
+            <a:endParaRPr lang="es-ES" sz="13800" b="0" cap="none" spc="0" dirty="0">
+              <a:ln w="0"/>
+              <a:gradFill>
+                <a:gsLst>
+                  <a:gs pos="0">
+                    <a:schemeClr val="accent5">
+                      <a:lumMod val="50000"/>
+                    </a:schemeClr>
+                  </a:gs>
+                  <a:gs pos="50000">
+                    <a:schemeClr val="accent5"/>
+                  </a:gs>
+                  <a:gs pos="100000">
+                    <a:schemeClr val="accent5">
+                      <a:lumMod val="60000"/>
+                      <a:lumOff val="40000"/>
+                    </a:schemeClr>
+                  </a:gs>
+                </a:gsLst>
+                <a:lin ang="5400000"/>
+              </a:gradFill>
+              <a:effectLst>
+                <a:reflection blurRad="6350" stA="53000" endA="300" endPos="35500" dir="5400000" sy="-90000" algn="bl" rotWithShape="0"/>
+              </a:effectLst>
+            </a:endParaRPr>
+          </a:p>
+        </p:txBody>
+      </p:sp>
+    </p:spTree>
+    <p:extLst>
+      <p:ext uri="{BB962C8B-B14F-4D97-AF65-F5344CB8AC3E}">
+        <p14:creationId xmlns:p14="http://schemas.microsoft.com/office/powerpoint/2010/main" val="2514125186"/>
+      </p:ext>
+    </p:extLst>
+  </p:cSld>
+  <p:clrMapOvr>
+    <a:masterClrMapping/>
+  </p:clrMapOvr>
+</p:sld>
+</file>
+
 <file path=ppt/theme/theme1.xml><?xml version="1.0" encoding="utf-8"?>
 <a:theme xmlns:a="http://schemas.openxmlformats.org/drawingml/2006/main" name="Tema de Office">
   <a:themeElements>
